--- a/SlideDeck.pptx
+++ b/SlideDeck.pptx
@@ -14,35 +14,49 @@
     <p:sldId id="262" r:id="rId8"/>
     <p:sldId id="263" r:id="rId9"/>
     <p:sldId id="264" r:id="rId10"/>
-    <p:sldId id="265" r:id="rId11"/>
-    <p:sldId id="266" r:id="rId12"/>
-    <p:sldId id="267" r:id="rId13"/>
-    <p:sldId id="268" r:id="rId14"/>
-    <p:sldId id="269" r:id="rId15"/>
-    <p:sldId id="270" r:id="rId16"/>
-    <p:sldId id="271" r:id="rId17"/>
-    <p:sldId id="272" r:id="rId18"/>
-    <p:sldId id="273" r:id="rId19"/>
-    <p:sldId id="274" r:id="rId20"/>
-    <p:sldId id="275" r:id="rId21"/>
-    <p:sldId id="276" r:id="rId22"/>
-    <p:sldId id="277" r:id="rId23"/>
-    <p:sldId id="278" r:id="rId24"/>
-    <p:sldId id="282" r:id="rId25"/>
-    <p:sldId id="283" r:id="rId26"/>
-    <p:sldId id="285" r:id="rId27"/>
-    <p:sldId id="284" r:id="rId28"/>
-    <p:sldId id="279" r:id="rId29"/>
-    <p:sldId id="280" r:id="rId30"/>
-    <p:sldId id="281" r:id="rId31"/>
-    <p:sldId id="286" r:id="rId32"/>
-    <p:sldId id="287" r:id="rId33"/>
-    <p:sldId id="289" r:id="rId34"/>
-    <p:sldId id="288" r:id="rId35"/>
-    <p:sldId id="290" r:id="rId36"/>
-    <p:sldId id="291" r:id="rId37"/>
-    <p:sldId id="292" r:id="rId38"/>
-    <p:sldId id="293" r:id="rId39"/>
+    <p:sldId id="297" r:id="rId11"/>
+    <p:sldId id="265" r:id="rId12"/>
+    <p:sldId id="266" r:id="rId13"/>
+    <p:sldId id="267" r:id="rId14"/>
+    <p:sldId id="268" r:id="rId15"/>
+    <p:sldId id="269" r:id="rId16"/>
+    <p:sldId id="270" r:id="rId17"/>
+    <p:sldId id="271" r:id="rId18"/>
+    <p:sldId id="272" r:id="rId19"/>
+    <p:sldId id="273" r:id="rId20"/>
+    <p:sldId id="274" r:id="rId21"/>
+    <p:sldId id="275" r:id="rId22"/>
+    <p:sldId id="276" r:id="rId23"/>
+    <p:sldId id="277" r:id="rId24"/>
+    <p:sldId id="278" r:id="rId25"/>
+    <p:sldId id="282" r:id="rId26"/>
+    <p:sldId id="283" r:id="rId27"/>
+    <p:sldId id="285" r:id="rId28"/>
+    <p:sldId id="284" r:id="rId29"/>
+    <p:sldId id="279" r:id="rId30"/>
+    <p:sldId id="280" r:id="rId31"/>
+    <p:sldId id="281" r:id="rId32"/>
+    <p:sldId id="286" r:id="rId33"/>
+    <p:sldId id="287" r:id="rId34"/>
+    <p:sldId id="289" r:id="rId35"/>
+    <p:sldId id="288" r:id="rId36"/>
+    <p:sldId id="290" r:id="rId37"/>
+    <p:sldId id="291" r:id="rId38"/>
+    <p:sldId id="292" r:id="rId39"/>
+    <p:sldId id="293" r:id="rId40"/>
+    <p:sldId id="294" r:id="rId41"/>
+    <p:sldId id="295" r:id="rId42"/>
+    <p:sldId id="296" r:id="rId43"/>
+    <p:sldId id="298" r:id="rId44"/>
+    <p:sldId id="299" r:id="rId45"/>
+    <p:sldId id="300" r:id="rId46"/>
+    <p:sldId id="301" r:id="rId47"/>
+    <p:sldId id="302" r:id="rId48"/>
+    <p:sldId id="303" r:id="rId49"/>
+    <p:sldId id="304" r:id="rId50"/>
+    <p:sldId id="305" r:id="rId51"/>
+    <p:sldId id="306" r:id="rId52"/>
+    <p:sldId id="307" r:id="rId53"/>
   </p:sldIdLst>
   <p:sldSz cx="12192000" cy="6858000"/>
   <p:notesSz cx="6858000" cy="9144000"/>
@@ -141,6 +155,11 @@
       </a:defRPr>
     </a:lvl9pPr>
   </p:defaultTextStyle>
+  <p:extLst>
+    <p:ext uri="{EFAFB233-063F-42B5-8137-9DF3F51BA10A}">
+      <p15:sldGuideLst xmlns:p15="http://schemas.microsoft.com/office/powerpoint/2012/main"/>
+    </p:ext>
+  </p:extLst>
 </p:presentation>
 </file>
 
@@ -275,7 +294,7 @@
           <a:p>
             <a:fld id="{522DDE99-FED1-4671-B53F-17F23D38D458}" type="datetimeFigureOut">
               <a:rPr lang="en-US" smtClean="0"/>
-              <a:t>3/21/2014</a:t>
+              <a:t>3/22/2014</a:t>
             </a:fld>
             <a:endParaRPr lang="en-US"/>
           </a:p>
@@ -445,7 +464,7 @@
           <a:p>
             <a:fld id="{522DDE99-FED1-4671-B53F-17F23D38D458}" type="datetimeFigureOut">
               <a:rPr lang="en-US" smtClean="0"/>
-              <a:t>3/21/2014</a:t>
+              <a:t>3/22/2014</a:t>
             </a:fld>
             <a:endParaRPr lang="en-US"/>
           </a:p>
@@ -625,7 +644,7 @@
           <a:p>
             <a:fld id="{522DDE99-FED1-4671-B53F-17F23D38D458}" type="datetimeFigureOut">
               <a:rPr lang="en-US" smtClean="0"/>
-              <a:t>3/21/2014</a:t>
+              <a:t>3/22/2014</a:t>
             </a:fld>
             <a:endParaRPr lang="en-US"/>
           </a:p>
@@ -795,7 +814,7 @@
           <a:p>
             <a:fld id="{522DDE99-FED1-4671-B53F-17F23D38D458}" type="datetimeFigureOut">
               <a:rPr lang="en-US" smtClean="0"/>
-              <a:t>3/21/2014</a:t>
+              <a:t>3/22/2014</a:t>
             </a:fld>
             <a:endParaRPr lang="en-US"/>
           </a:p>
@@ -1041,7 +1060,7 @@
           <a:p>
             <a:fld id="{522DDE99-FED1-4671-B53F-17F23D38D458}" type="datetimeFigureOut">
               <a:rPr lang="en-US" smtClean="0"/>
-              <a:t>3/21/2014</a:t>
+              <a:t>3/22/2014</a:t>
             </a:fld>
             <a:endParaRPr lang="en-US"/>
           </a:p>
@@ -1273,7 +1292,7 @@
           <a:p>
             <a:fld id="{522DDE99-FED1-4671-B53F-17F23D38D458}" type="datetimeFigureOut">
               <a:rPr lang="en-US" smtClean="0"/>
-              <a:t>3/21/2014</a:t>
+              <a:t>3/22/2014</a:t>
             </a:fld>
             <a:endParaRPr lang="en-US"/>
           </a:p>
@@ -1640,7 +1659,7 @@
           <a:p>
             <a:fld id="{522DDE99-FED1-4671-B53F-17F23D38D458}" type="datetimeFigureOut">
               <a:rPr lang="en-US" smtClean="0"/>
-              <a:t>3/21/2014</a:t>
+              <a:t>3/22/2014</a:t>
             </a:fld>
             <a:endParaRPr lang="en-US"/>
           </a:p>
@@ -1758,7 +1777,7 @@
           <a:p>
             <a:fld id="{522DDE99-FED1-4671-B53F-17F23D38D458}" type="datetimeFigureOut">
               <a:rPr lang="en-US" smtClean="0"/>
-              <a:t>3/21/2014</a:t>
+              <a:t>3/22/2014</a:t>
             </a:fld>
             <a:endParaRPr lang="en-US"/>
           </a:p>
@@ -1853,7 +1872,7 @@
           <a:p>
             <a:fld id="{522DDE99-FED1-4671-B53F-17F23D38D458}" type="datetimeFigureOut">
               <a:rPr lang="en-US" smtClean="0"/>
-              <a:t>3/21/2014</a:t>
+              <a:t>3/22/2014</a:t>
             </a:fld>
             <a:endParaRPr lang="en-US"/>
           </a:p>
@@ -2130,7 +2149,7 @@
           <a:p>
             <a:fld id="{522DDE99-FED1-4671-B53F-17F23D38D458}" type="datetimeFigureOut">
               <a:rPr lang="en-US" smtClean="0"/>
-              <a:t>3/21/2014</a:t>
+              <a:t>3/22/2014</a:t>
             </a:fld>
             <a:endParaRPr lang="en-US"/>
           </a:p>
@@ -2383,7 +2402,7 @@
           <a:p>
             <a:fld id="{522DDE99-FED1-4671-B53F-17F23D38D458}" type="datetimeFigureOut">
               <a:rPr lang="en-US" smtClean="0"/>
-              <a:t>3/21/2014</a:t>
+              <a:t>3/22/2014</a:t>
             </a:fld>
             <a:endParaRPr lang="en-US"/>
           </a:p>
@@ -2596,7 +2615,7 @@
           <a:p>
             <a:fld id="{522DDE99-FED1-4671-B53F-17F23D38D458}" type="datetimeFigureOut">
               <a:rPr lang="en-US" smtClean="0"/>
-              <a:t>3/21/2014</a:t>
+              <a:t>3/22/2014</a:t>
             </a:fld>
             <a:endParaRPr lang="en-US"/>
           </a:p>
@@ -3116,7 +3135,7 @@
           <a:p>
             <a:r>
               <a:rPr lang="en-US" dirty="0" smtClean="0"/>
-              <a:t>Modules</a:t>
+              <a:t>Conventions</a:t>
             </a:r>
             <a:endParaRPr lang="en-US" dirty="0"/>
           </a:p>
@@ -3139,20 +3158,59 @@
           <a:p>
             <a:r>
               <a:rPr lang="en-US" dirty="0" smtClean="0"/>
-              <a:t>Inherit from </a:t>
-            </a:r>
-            <a:r>
-              <a:rPr lang="en-US" dirty="0" err="1" smtClean="0"/>
-              <a:t>NancyModule</a:t>
-            </a:r>
+              <a:t>Static Files in /Content</a:t>
+            </a:r>
+          </a:p>
+          <a:p>
+            <a:r>
+              <a:rPr lang="en-US" dirty="0" smtClean="0"/>
+              <a:t>Default </a:t>
+            </a:r>
+            <a:r>
+              <a:rPr lang="en-US" dirty="0"/>
+              <a:t>Error </a:t>
+            </a:r>
+            <a:r>
+              <a:rPr lang="en-US" dirty="0" smtClean="0"/>
+              <a:t>Page</a:t>
+            </a:r>
+          </a:p>
+          <a:p>
+            <a:pPr marL="0" indent="0">
+              <a:buNone/>
+            </a:pPr>
             <a:endParaRPr lang="en-US" dirty="0" smtClean="0"/>
           </a:p>
         </p:txBody>
       </p:sp>
+      <p:pic>
+        <p:nvPicPr>
+          <p:cNvPr id="4" name="Picture 3"/>
+          <p:cNvPicPr>
+            <a:picLocks noChangeAspect="1"/>
+          </p:cNvPicPr>
+          <p:nvPr/>
+        </p:nvPicPr>
+        <p:blipFill>
+          <a:blip r:embed="rId2"/>
+          <a:stretch>
+            <a:fillRect/>
+          </a:stretch>
+        </p:blipFill>
+        <p:spPr>
+          <a:xfrm>
+            <a:off x="2246762" y="2905919"/>
+            <a:ext cx="4752975" cy="2190750"/>
+          </a:xfrm>
+          <a:prstGeom prst="rect">
+            <a:avLst/>
+          </a:prstGeom>
+        </p:spPr>
+      </p:pic>
     </p:spTree>
     <p:extLst>
       <p:ext uri="{BB962C8B-B14F-4D97-AF65-F5344CB8AC3E}">
-        <p14:creationId xmlns:p14="http://schemas.microsoft.com/office/powerpoint/2010/main" val="1110245450"/>
+        <p14:creationId xmlns:p14="http://schemas.microsoft.com/office/powerpoint/2010/main" val="825193908"/>
       </p:ext>
     </p:extLst>
   </p:cSld>
@@ -3227,18 +3285,12 @@
             </a:r>
             <a:endParaRPr lang="en-US" dirty="0" smtClean="0"/>
           </a:p>
-          <a:p>
-            <a:r>
-              <a:rPr lang="en-US" dirty="0" smtClean="0"/>
-              <a:t>Declare anywhere</a:t>
-            </a:r>
-          </a:p>
         </p:txBody>
       </p:sp>
     </p:spTree>
     <p:extLst>
       <p:ext uri="{BB962C8B-B14F-4D97-AF65-F5344CB8AC3E}">
-        <p14:creationId xmlns:p14="http://schemas.microsoft.com/office/powerpoint/2010/main" val="3224396635"/>
+        <p14:creationId xmlns:p14="http://schemas.microsoft.com/office/powerpoint/2010/main" val="1110245450"/>
       </p:ext>
     </p:extLst>
   </p:cSld>
@@ -3319,6 +3371,92 @@
               <a:t>Declare anywhere</a:t>
             </a:r>
           </a:p>
+        </p:txBody>
+      </p:sp>
+    </p:spTree>
+    <p:extLst>
+      <p:ext uri="{BB962C8B-B14F-4D97-AF65-F5344CB8AC3E}">
+        <p14:creationId xmlns:p14="http://schemas.microsoft.com/office/powerpoint/2010/main" val="3224396635"/>
+      </p:ext>
+    </p:extLst>
+  </p:cSld>
+  <p:clrMapOvr>
+    <a:masterClrMapping/>
+  </p:clrMapOvr>
+</p:sld>
+</file>
+
+<file path=ppt/slides/slide13.xml><?xml version="1.0" encoding="utf-8"?>
+<p:sld xmlns:a="http://schemas.openxmlformats.org/drawingml/2006/main" xmlns:r="http://schemas.openxmlformats.org/officeDocument/2006/relationships" xmlns:p="http://schemas.openxmlformats.org/presentationml/2006/main">
+  <p:cSld>
+    <p:spTree>
+      <p:nvGrpSpPr>
+        <p:cNvPr id="1" name=""/>
+        <p:cNvGrpSpPr/>
+        <p:nvPr/>
+      </p:nvGrpSpPr>
+      <p:grpSpPr>
+        <a:xfrm>
+          <a:off x="0" y="0"/>
+          <a:ext cx="0" cy="0"/>
+          <a:chOff x="0" y="0"/>
+          <a:chExt cx="0" cy="0"/>
+        </a:xfrm>
+      </p:grpSpPr>
+      <p:sp>
+        <p:nvSpPr>
+          <p:cNvPr id="2" name="Title 1"/>
+          <p:cNvSpPr>
+            <a:spLocks noGrp="1"/>
+          </p:cNvSpPr>
+          <p:nvPr>
+            <p:ph type="title"/>
+          </p:nvPr>
+        </p:nvSpPr>
+        <p:spPr/>
+        <p:txBody>
+          <a:bodyPr/>
+          <a:lstStyle/>
+          <a:p>
+            <a:r>
+              <a:rPr lang="en-US" dirty="0" smtClean="0"/>
+              <a:t>Modules</a:t>
+            </a:r>
+            <a:endParaRPr lang="en-US" dirty="0"/>
+          </a:p>
+        </p:txBody>
+      </p:sp>
+      <p:sp>
+        <p:nvSpPr>
+          <p:cNvPr id="3" name="Content Placeholder 2"/>
+          <p:cNvSpPr>
+            <a:spLocks noGrp="1"/>
+          </p:cNvSpPr>
+          <p:nvPr>
+            <p:ph idx="1"/>
+          </p:nvPr>
+        </p:nvSpPr>
+        <p:spPr/>
+        <p:txBody>
+          <a:bodyPr/>
+          <a:lstStyle/>
+          <a:p>
+            <a:r>
+              <a:rPr lang="en-US" dirty="0" smtClean="0"/>
+              <a:t>Inherit from </a:t>
+            </a:r>
+            <a:r>
+              <a:rPr lang="en-US" dirty="0" err="1" smtClean="0"/>
+              <a:t>NancyModule</a:t>
+            </a:r>
+            <a:endParaRPr lang="en-US" dirty="0" smtClean="0"/>
+          </a:p>
+          <a:p>
+            <a:r>
+              <a:rPr lang="en-US" dirty="0" smtClean="0"/>
+              <a:t>Declare anywhere</a:t>
+            </a:r>
+          </a:p>
           <a:p>
             <a:r>
               <a:rPr lang="en-US" dirty="0" smtClean="0"/>
@@ -3340,7 +3478,7 @@
 </p:sld>
 </file>
 
-<file path=ppt/slides/slide13.xml><?xml version="1.0" encoding="utf-8"?>
+<file path=ppt/slides/slide14.xml><?xml version="1.0" encoding="utf-8"?>
 <p:sld xmlns:a="http://schemas.openxmlformats.org/drawingml/2006/main" xmlns:r="http://schemas.openxmlformats.org/officeDocument/2006/relationships" xmlns:p="http://schemas.openxmlformats.org/presentationml/2006/main">
   <p:cSld>
     <p:spTree>
@@ -3456,81 +3594,6 @@
 </p:sld>
 </file>
 
-<file path=ppt/slides/slide14.xml><?xml version="1.0" encoding="utf-8"?>
-<p:sld xmlns:a="http://schemas.openxmlformats.org/drawingml/2006/main" xmlns:r="http://schemas.openxmlformats.org/officeDocument/2006/relationships" xmlns:p="http://schemas.openxmlformats.org/presentationml/2006/main">
-  <p:cSld>
-    <p:spTree>
-      <p:nvGrpSpPr>
-        <p:cNvPr id="1" name=""/>
-        <p:cNvGrpSpPr/>
-        <p:nvPr/>
-      </p:nvGrpSpPr>
-      <p:grpSpPr>
-        <a:xfrm>
-          <a:off x="0" y="0"/>
-          <a:ext cx="0" cy="0"/>
-          <a:chOff x="0" y="0"/>
-          <a:chExt cx="0" cy="0"/>
-        </a:xfrm>
-      </p:grpSpPr>
-      <p:sp>
-        <p:nvSpPr>
-          <p:cNvPr id="2" name="Title 1"/>
-          <p:cNvSpPr>
-            <a:spLocks noGrp="1"/>
-          </p:cNvSpPr>
-          <p:nvPr>
-            <p:ph type="title"/>
-          </p:nvPr>
-        </p:nvSpPr>
-        <p:spPr/>
-        <p:txBody>
-          <a:bodyPr/>
-          <a:lstStyle/>
-          <a:p>
-            <a:r>
-              <a:rPr lang="en-US" dirty="0" smtClean="0"/>
-              <a:t>Routing</a:t>
-            </a:r>
-            <a:endParaRPr lang="en-US" dirty="0"/>
-          </a:p>
-        </p:txBody>
-      </p:sp>
-      <p:sp>
-        <p:nvSpPr>
-          <p:cNvPr id="3" name="Content Placeholder 2"/>
-          <p:cNvSpPr>
-            <a:spLocks noGrp="1"/>
-          </p:cNvSpPr>
-          <p:nvPr>
-            <p:ph idx="1"/>
-          </p:nvPr>
-        </p:nvSpPr>
-        <p:spPr/>
-        <p:txBody>
-          <a:bodyPr/>
-          <a:lstStyle/>
-          <a:p>
-            <a:r>
-              <a:rPr lang="en-US" dirty="0" smtClean="0"/>
-              <a:t>Literals (/some/literal/segments)</a:t>
-            </a:r>
-          </a:p>
-        </p:txBody>
-      </p:sp>
-    </p:spTree>
-    <p:extLst>
-      <p:ext uri="{BB962C8B-B14F-4D97-AF65-F5344CB8AC3E}">
-        <p14:creationId xmlns:p14="http://schemas.microsoft.com/office/powerpoint/2010/main" val="1331357952"/>
-      </p:ext>
-    </p:extLst>
-  </p:cSld>
-  <p:clrMapOvr>
-    <a:masterClrMapping/>
-  </p:clrMapOvr>
-</p:sld>
-</file>
-
 <file path=ppt/slides/slide15.xml><?xml version="1.0" encoding="utf-8"?>
 <p:sld xmlns:a="http://schemas.openxmlformats.org/drawingml/2006/main" xmlns:r="http://schemas.openxmlformats.org/officeDocument/2006/relationships" xmlns:p="http://schemas.openxmlformats.org/presentationml/2006/main">
   <p:cSld>
@@ -3588,13 +3651,7 @@
           <a:p>
             <a:r>
               <a:rPr lang="en-US" dirty="0" smtClean="0"/>
-              <a:t>Literals /some/literal/segments</a:t>
-            </a:r>
-          </a:p>
-          <a:p>
-            <a:r>
-              <a:rPr lang="en-US" dirty="0" smtClean="0"/>
-              <a:t>Capture Segments /{name}</a:t>
+              <a:t>Literals (/some/literal/segments)</a:t>
             </a:r>
           </a:p>
         </p:txBody>
@@ -3602,7 +3659,7 @@
     </p:spTree>
     <p:extLst>
       <p:ext uri="{BB962C8B-B14F-4D97-AF65-F5344CB8AC3E}">
-        <p14:creationId xmlns:p14="http://schemas.microsoft.com/office/powerpoint/2010/main" val="1440691351"/>
+        <p14:creationId xmlns:p14="http://schemas.microsoft.com/office/powerpoint/2010/main" val="1331357952"/>
       </p:ext>
     </p:extLst>
   </p:cSld>
@@ -3678,18 +3735,12 @@
               <a:t>Capture Segments /{name}</a:t>
             </a:r>
           </a:p>
-          <a:p>
-            <a:r>
-              <a:rPr lang="en-US" dirty="0" smtClean="0"/>
-              <a:t>Optional Capture /{name?}</a:t>
-            </a:r>
-          </a:p>
         </p:txBody>
       </p:sp>
     </p:spTree>
     <p:extLst>
       <p:ext uri="{BB962C8B-B14F-4D97-AF65-F5344CB8AC3E}">
-        <p14:creationId xmlns:p14="http://schemas.microsoft.com/office/powerpoint/2010/main" val="1221036263"/>
+        <p14:creationId xmlns:p14="http://schemas.microsoft.com/office/powerpoint/2010/main" val="1440691351"/>
       </p:ext>
     </p:extLst>
   </p:cSld>
@@ -3771,26 +3822,12 @@
               <a:t>Optional Capture /{name?}</a:t>
             </a:r>
           </a:p>
-          <a:p>
-            <a:r>
-              <a:rPr lang="en-US" dirty="0" smtClean="0"/>
-              <a:t>Optional w/ Default /{</a:t>
-            </a:r>
-            <a:r>
-              <a:rPr lang="en-US" dirty="0" err="1" smtClean="0"/>
-              <a:t>name?none</a:t>
-            </a:r>
-            <a:r>
-              <a:rPr lang="en-US" dirty="0" smtClean="0"/>
-              <a:t>}</a:t>
-            </a:r>
-          </a:p>
         </p:txBody>
       </p:sp>
     </p:spTree>
     <p:extLst>
       <p:ext uri="{BB962C8B-B14F-4D97-AF65-F5344CB8AC3E}">
-        <p14:creationId xmlns:p14="http://schemas.microsoft.com/office/powerpoint/2010/main" val="2383408369"/>
+        <p14:creationId xmlns:p14="http://schemas.microsoft.com/office/powerpoint/2010/main" val="1221036263"/>
       </p:ext>
     </p:extLst>
   </p:cSld>
@@ -3886,18 +3923,12 @@
               <a:t>}</a:t>
             </a:r>
           </a:p>
-          <a:p>
-            <a:r>
-              <a:rPr lang="en-US" dirty="0" smtClean="0"/>
-              <a:t>Regex /(?&lt;age&gt;[/d]{1,2})</a:t>
-            </a:r>
-          </a:p>
         </p:txBody>
       </p:sp>
     </p:spTree>
     <p:extLst>
       <p:ext uri="{BB962C8B-B14F-4D97-AF65-F5344CB8AC3E}">
-        <p14:creationId xmlns:p14="http://schemas.microsoft.com/office/powerpoint/2010/main" val="4122464051"/>
+        <p14:creationId xmlns:p14="http://schemas.microsoft.com/office/powerpoint/2010/main" val="2383408369"/>
       </p:ext>
     </p:extLst>
   </p:cSld>
@@ -3999,18 +4030,12 @@
               <a:t>Regex /(?&lt;age&gt;[/d]{1,2})</a:t>
             </a:r>
           </a:p>
-          <a:p>
-            <a:r>
-              <a:rPr lang="en-US" dirty="0" smtClean="0"/>
-              <a:t>Greedy /{name*}</a:t>
-            </a:r>
-          </a:p>
         </p:txBody>
       </p:sp>
     </p:spTree>
     <p:extLst>
       <p:ext uri="{BB962C8B-B14F-4D97-AF65-F5344CB8AC3E}">
-        <p14:creationId xmlns:p14="http://schemas.microsoft.com/office/powerpoint/2010/main" val="550884612"/>
+        <p14:creationId xmlns:p14="http://schemas.microsoft.com/office/powerpoint/2010/main" val="4122464051"/>
       </p:ext>
     </p:extLst>
   </p:cSld>
@@ -4193,23 +4218,12 @@
               <a:t>Greedy /{name*}</a:t>
             </a:r>
           </a:p>
-          <a:p>
-            <a:r>
-              <a:rPr lang="en-US" dirty="0" smtClean="0"/>
-              <a:t>Greedy Regex /</a:t>
-            </a:r>
-            <a:r>
-              <a:rPr lang="en-US" dirty="0"/>
-              <a:t>^(?&lt;name&gt;[a-z]{3,10}(?:/{1})(?&lt;action&gt;[a-z]{5,10}))$</a:t>
-            </a:r>
-            <a:endParaRPr lang="en-US" dirty="0" smtClean="0"/>
-          </a:p>
         </p:txBody>
       </p:sp>
     </p:spTree>
     <p:extLst>
       <p:ext uri="{BB962C8B-B14F-4D97-AF65-F5344CB8AC3E}">
-        <p14:creationId xmlns:p14="http://schemas.microsoft.com/office/powerpoint/2010/main" val="662630434"/>
+        <p14:creationId xmlns:p14="http://schemas.microsoft.com/office/powerpoint/2010/main" val="550884612"/>
       </p:ext>
     </p:extLst>
   </p:cSld>
@@ -4324,25 +4338,16 @@
             </a:r>
             <a:r>
               <a:rPr lang="en-US" dirty="0"/>
-              <a:t>^(?&lt;name&gt;[a-z]{3,10}(?:/{1})(?&lt;action&gt;[a-z]{5,10</a:t>
-            </a:r>
-            <a:r>
-              <a:rPr lang="en-US" dirty="0" smtClean="0"/>
-              <a:t>}))$</a:t>
-            </a:r>
-          </a:p>
-          <a:p>
-            <a:r>
-              <a:rPr lang="en-US" dirty="0" smtClean="0"/>
-              <a:t>Multiple Capture /{filename}.{extension}</a:t>
-            </a:r>
+              <a:t>^(?&lt;name&gt;[a-z]{3,10}(?:/{1})(?&lt;action&gt;[a-z]{5,10}))$</a:t>
+            </a:r>
+            <a:endParaRPr lang="en-US" dirty="0" smtClean="0"/>
           </a:p>
         </p:txBody>
       </p:sp>
     </p:spTree>
     <p:extLst>
       <p:ext uri="{BB962C8B-B14F-4D97-AF65-F5344CB8AC3E}">
-        <p14:creationId xmlns:p14="http://schemas.microsoft.com/office/powerpoint/2010/main" val="1476750411"/>
+        <p14:creationId xmlns:p14="http://schemas.microsoft.com/office/powerpoint/2010/main" val="662630434"/>
       </p:ext>
     </p:extLst>
   </p:cSld>
@@ -4386,7 +4391,7 @@
           <a:p>
             <a:r>
               <a:rPr lang="en-US" dirty="0" smtClean="0"/>
-              <a:t>Route Collisions?</a:t>
+              <a:t>Routing</a:t>
             </a:r>
             <a:endParaRPr lang="en-US" dirty="0"/>
           </a:p>
@@ -4409,22 +4414,73 @@
           <a:p>
             <a:r>
               <a:rPr lang="en-US" dirty="0" smtClean="0"/>
-              <a:t>/{category}</a:t>
-            </a:r>
-          </a:p>
-          <a:p>
-            <a:r>
-              <a:rPr lang="en-US" dirty="0" smtClean="0"/>
-              <a:t>/products</a:t>
-            </a:r>
-            <a:endParaRPr lang="en-US" dirty="0"/>
+              <a:t>Literals /some/literal/segments</a:t>
+            </a:r>
+          </a:p>
+          <a:p>
+            <a:r>
+              <a:rPr lang="en-US" dirty="0" smtClean="0"/>
+              <a:t>Capture Segments /{name}</a:t>
+            </a:r>
+          </a:p>
+          <a:p>
+            <a:r>
+              <a:rPr lang="en-US" dirty="0" smtClean="0"/>
+              <a:t>Optional Capture /{name?}</a:t>
+            </a:r>
+          </a:p>
+          <a:p>
+            <a:r>
+              <a:rPr lang="en-US" dirty="0" smtClean="0"/>
+              <a:t>Optional w/ Default /{</a:t>
+            </a:r>
+            <a:r>
+              <a:rPr lang="en-US" dirty="0" err="1" smtClean="0"/>
+              <a:t>name?none</a:t>
+            </a:r>
+            <a:r>
+              <a:rPr lang="en-US" dirty="0" smtClean="0"/>
+              <a:t>}</a:t>
+            </a:r>
+          </a:p>
+          <a:p>
+            <a:r>
+              <a:rPr lang="en-US" dirty="0" smtClean="0"/>
+              <a:t>Regex /(?&lt;age&gt;[/d]{1,2})</a:t>
+            </a:r>
+          </a:p>
+          <a:p>
+            <a:r>
+              <a:rPr lang="en-US" dirty="0" smtClean="0"/>
+              <a:t>Greedy /{name*}</a:t>
+            </a:r>
+          </a:p>
+          <a:p>
+            <a:r>
+              <a:rPr lang="en-US" dirty="0" smtClean="0"/>
+              <a:t>Greedy Regex /</a:t>
+            </a:r>
+            <a:r>
+              <a:rPr lang="en-US" dirty="0"/>
+              <a:t>^(?&lt;name&gt;[a-z]{3,10}(?:/{1})(?&lt;action&gt;[a-z]{5,10</a:t>
+            </a:r>
+            <a:r>
+              <a:rPr lang="en-US" dirty="0" smtClean="0"/>
+              <a:t>}))$</a:t>
+            </a:r>
+          </a:p>
+          <a:p>
+            <a:r>
+              <a:rPr lang="en-US" dirty="0" smtClean="0"/>
+              <a:t>Multiple Capture /{filename}.{extension}</a:t>
+            </a:r>
           </a:p>
         </p:txBody>
       </p:sp>
     </p:spTree>
     <p:extLst>
       <p:ext uri="{BB962C8B-B14F-4D97-AF65-F5344CB8AC3E}">
-        <p14:creationId xmlns:p14="http://schemas.microsoft.com/office/powerpoint/2010/main" val="359192725"/>
+        <p14:creationId xmlns:p14="http://schemas.microsoft.com/office/powerpoint/2010/main" val="1476750411"/>
       </p:ext>
     </p:extLst>
   </p:cSld>
@@ -4468,6 +4524,88 @@
           <a:p>
             <a:r>
               <a:rPr lang="en-US" dirty="0" smtClean="0"/>
+              <a:t>Route Collisions?</a:t>
+            </a:r>
+            <a:endParaRPr lang="en-US" dirty="0"/>
+          </a:p>
+        </p:txBody>
+      </p:sp>
+      <p:sp>
+        <p:nvSpPr>
+          <p:cNvPr id="3" name="Content Placeholder 2"/>
+          <p:cNvSpPr>
+            <a:spLocks noGrp="1"/>
+          </p:cNvSpPr>
+          <p:nvPr>
+            <p:ph idx="1"/>
+          </p:nvPr>
+        </p:nvSpPr>
+        <p:spPr/>
+        <p:txBody>
+          <a:bodyPr/>
+          <a:lstStyle/>
+          <a:p>
+            <a:r>
+              <a:rPr lang="en-US" dirty="0" smtClean="0"/>
+              <a:t>/{category}</a:t>
+            </a:r>
+          </a:p>
+          <a:p>
+            <a:r>
+              <a:rPr lang="en-US" dirty="0" smtClean="0"/>
+              <a:t>/products</a:t>
+            </a:r>
+            <a:endParaRPr lang="en-US" dirty="0"/>
+          </a:p>
+        </p:txBody>
+      </p:sp>
+    </p:spTree>
+    <p:extLst>
+      <p:ext uri="{BB962C8B-B14F-4D97-AF65-F5344CB8AC3E}">
+        <p14:creationId xmlns:p14="http://schemas.microsoft.com/office/powerpoint/2010/main" val="359192725"/>
+      </p:ext>
+    </p:extLst>
+  </p:cSld>
+  <p:clrMapOvr>
+    <a:masterClrMapping/>
+  </p:clrMapOvr>
+</p:sld>
+</file>
+
+<file path=ppt/slides/slide24.xml><?xml version="1.0" encoding="utf-8"?>
+<p:sld xmlns:a="http://schemas.openxmlformats.org/drawingml/2006/main" xmlns:r="http://schemas.openxmlformats.org/officeDocument/2006/relationships" xmlns:p="http://schemas.openxmlformats.org/presentationml/2006/main">
+  <p:cSld>
+    <p:spTree>
+      <p:nvGrpSpPr>
+        <p:cNvPr id="1" name=""/>
+        <p:cNvGrpSpPr/>
+        <p:nvPr/>
+      </p:nvGrpSpPr>
+      <p:grpSpPr>
+        <a:xfrm>
+          <a:off x="0" y="0"/>
+          <a:ext cx="0" cy="0"/>
+          <a:chOff x="0" y="0"/>
+          <a:chExt cx="0" cy="0"/>
+        </a:xfrm>
+      </p:grpSpPr>
+      <p:sp>
+        <p:nvSpPr>
+          <p:cNvPr id="2" name="Title 1"/>
+          <p:cNvSpPr>
+            <a:spLocks noGrp="1"/>
+          </p:cNvSpPr>
+          <p:nvPr>
+            <p:ph type="title"/>
+          </p:nvPr>
+        </p:nvSpPr>
+        <p:spPr/>
+        <p:txBody>
+          <a:bodyPr/>
+          <a:lstStyle/>
+          <a:p>
+            <a:r>
+              <a:rPr lang="en-US" dirty="0" smtClean="0"/>
               <a:t>Route Scoring</a:t>
             </a:r>
             <a:endParaRPr lang="en-US" dirty="0"/>
@@ -4551,7 +4689,7 @@
 </p:sld>
 </file>
 
-<file path=ppt/slides/slide24.xml><?xml version="1.0" encoding="utf-8"?>
+<file path=ppt/slides/slide25.xml><?xml version="1.0" encoding="utf-8"?>
 <p:sld xmlns:a="http://schemas.openxmlformats.org/drawingml/2006/main" xmlns:r="http://schemas.openxmlformats.org/officeDocument/2006/relationships" xmlns:p="http://schemas.openxmlformats.org/presentationml/2006/main">
   <p:cSld>
     <p:spTree>
@@ -4637,7 +4775,7 @@
 </p:sld>
 </file>
 
-<file path=ppt/slides/slide25.xml><?xml version="1.0" encoding="utf-8"?>
+<file path=ppt/slides/slide26.xml><?xml version="1.0" encoding="utf-8"?>
 <p:sld xmlns:a="http://schemas.openxmlformats.org/drawingml/2006/main" xmlns:r="http://schemas.openxmlformats.org/officeDocument/2006/relationships" xmlns:p="http://schemas.openxmlformats.org/presentationml/2006/main">
   <p:cSld>
     <p:spTree>
@@ -4740,7 +4878,7 @@
 </p:sld>
 </file>
 
-<file path=ppt/slides/slide26.xml><?xml version="1.0" encoding="utf-8"?>
+<file path=ppt/slides/slide27.xml><?xml version="1.0" encoding="utf-8"?>
 <p:sld xmlns:a="http://schemas.openxmlformats.org/drawingml/2006/main" xmlns:r="http://schemas.openxmlformats.org/officeDocument/2006/relationships" xmlns:p="http://schemas.openxmlformats.org/presentationml/2006/main">
   <p:cSld>
     <p:spTree>
@@ -4950,7 +5088,7 @@
 </p:sld>
 </file>
 
-<file path=ppt/slides/slide27.xml><?xml version="1.0" encoding="utf-8"?>
+<file path=ppt/slides/slide28.xml><?xml version="1.0" encoding="utf-8"?>
 <p:sld xmlns:a="http://schemas.openxmlformats.org/drawingml/2006/main" xmlns:r="http://schemas.openxmlformats.org/officeDocument/2006/relationships" xmlns:p="http://schemas.openxmlformats.org/presentationml/2006/main">
   <p:cSld>
     <p:spTree>
@@ -5167,84 +5305,6 @@
 </p:sld>
 </file>
 
-<file path=ppt/slides/slide28.xml><?xml version="1.0" encoding="utf-8"?>
-<p:sld xmlns:a="http://schemas.openxmlformats.org/drawingml/2006/main" xmlns:r="http://schemas.openxmlformats.org/officeDocument/2006/relationships" xmlns:p="http://schemas.openxmlformats.org/presentationml/2006/main">
-  <p:cSld>
-    <p:spTree>
-      <p:nvGrpSpPr>
-        <p:cNvPr id="1" name=""/>
-        <p:cNvGrpSpPr/>
-        <p:nvPr/>
-      </p:nvGrpSpPr>
-      <p:grpSpPr>
-        <a:xfrm>
-          <a:off x="0" y="0"/>
-          <a:ext cx="0" cy="0"/>
-          <a:chOff x="0" y="0"/>
-          <a:chExt cx="0" cy="0"/>
-        </a:xfrm>
-      </p:grpSpPr>
-      <p:sp>
-        <p:nvSpPr>
-          <p:cNvPr id="2" name="Title 1"/>
-          <p:cNvSpPr>
-            <a:spLocks noGrp="1"/>
-          </p:cNvSpPr>
-          <p:nvPr>
-            <p:ph type="title"/>
-          </p:nvPr>
-        </p:nvSpPr>
-        <p:spPr/>
-        <p:txBody>
-          <a:bodyPr/>
-          <a:lstStyle/>
-          <a:p>
-            <a:r>
-              <a:rPr lang="en-US" dirty="0" smtClean="0"/>
-              <a:t>Actions</a:t>
-            </a:r>
-            <a:endParaRPr lang="en-US" dirty="0"/>
-          </a:p>
-        </p:txBody>
-      </p:sp>
-      <p:sp>
-        <p:nvSpPr>
-          <p:cNvPr id="3" name="Content Placeholder 2"/>
-          <p:cNvSpPr>
-            <a:spLocks noGrp="1"/>
-          </p:cNvSpPr>
-          <p:nvPr>
-            <p:ph idx="1"/>
-          </p:nvPr>
-        </p:nvSpPr>
-        <p:spPr/>
-        <p:txBody>
-          <a:bodyPr/>
-          <a:lstStyle/>
-          <a:p>
-            <a:r>
-              <a:rPr lang="en-US" dirty="0" smtClean="0"/>
-              <a:t>Return any model and the result is determined through Content Negotiation</a:t>
-            </a:r>
-          </a:p>
-          <a:p>
-            <a:endParaRPr lang="en-US" dirty="0"/>
-          </a:p>
-        </p:txBody>
-      </p:sp>
-    </p:spTree>
-    <p:extLst>
-      <p:ext uri="{BB962C8B-B14F-4D97-AF65-F5344CB8AC3E}">
-        <p14:creationId xmlns:p14="http://schemas.microsoft.com/office/powerpoint/2010/main" val="67854884"/>
-      </p:ext>
-    </p:extLst>
-  </p:cSld>
-  <p:clrMapOvr>
-    <a:masterClrMapping/>
-  </p:clrMapOvr>
-</p:sld>
-</file>
-
 <file path=ppt/slides/slide29.xml><?xml version="1.0" encoding="utf-8"?>
 <p:sld xmlns:a="http://schemas.openxmlformats.org/drawingml/2006/main" xmlns:r="http://schemas.openxmlformats.org/officeDocument/2006/relationships" xmlns:p="http://schemas.openxmlformats.org/presentationml/2006/main">
   <p:cSld>
@@ -5306,10 +5366,6 @@
             </a:r>
           </a:p>
           <a:p>
-            <a:r>
-              <a:rPr lang="en-US" dirty="0" smtClean="0"/>
-              <a:t>Response object </a:t>
-            </a:r>
             <a:endParaRPr lang="en-US" dirty="0"/>
           </a:p>
         </p:txBody>
@@ -5317,7 +5373,7 @@
     </p:spTree>
     <p:extLst>
       <p:ext uri="{BB962C8B-B14F-4D97-AF65-F5344CB8AC3E}">
-        <p14:creationId xmlns:p14="http://schemas.microsoft.com/office/powerpoint/2010/main" val="3909162242"/>
+        <p14:creationId xmlns:p14="http://schemas.microsoft.com/office/powerpoint/2010/main" val="67854884"/>
       </p:ext>
     </p:extLst>
   </p:cSld>
@@ -5473,6 +5529,88 @@
               <a:rPr lang="en-US" dirty="0" smtClean="0"/>
               <a:t>Response object </a:t>
             </a:r>
+            <a:endParaRPr lang="en-US" dirty="0"/>
+          </a:p>
+        </p:txBody>
+      </p:sp>
+    </p:spTree>
+    <p:extLst>
+      <p:ext uri="{BB962C8B-B14F-4D97-AF65-F5344CB8AC3E}">
+        <p14:creationId xmlns:p14="http://schemas.microsoft.com/office/powerpoint/2010/main" val="3909162242"/>
+      </p:ext>
+    </p:extLst>
+  </p:cSld>
+  <p:clrMapOvr>
+    <a:masterClrMapping/>
+  </p:clrMapOvr>
+</p:sld>
+</file>
+
+<file path=ppt/slides/slide31.xml><?xml version="1.0" encoding="utf-8"?>
+<p:sld xmlns:a="http://schemas.openxmlformats.org/drawingml/2006/main" xmlns:r="http://schemas.openxmlformats.org/officeDocument/2006/relationships" xmlns:p="http://schemas.openxmlformats.org/presentationml/2006/main">
+  <p:cSld>
+    <p:spTree>
+      <p:nvGrpSpPr>
+        <p:cNvPr id="1" name=""/>
+        <p:cNvGrpSpPr/>
+        <p:nvPr/>
+      </p:nvGrpSpPr>
+      <p:grpSpPr>
+        <a:xfrm>
+          <a:off x="0" y="0"/>
+          <a:ext cx="0" cy="0"/>
+          <a:chOff x="0" y="0"/>
+          <a:chExt cx="0" cy="0"/>
+        </a:xfrm>
+      </p:grpSpPr>
+      <p:sp>
+        <p:nvSpPr>
+          <p:cNvPr id="2" name="Title 1"/>
+          <p:cNvSpPr>
+            <a:spLocks noGrp="1"/>
+          </p:cNvSpPr>
+          <p:nvPr>
+            <p:ph type="title"/>
+          </p:nvPr>
+        </p:nvSpPr>
+        <p:spPr/>
+        <p:txBody>
+          <a:bodyPr/>
+          <a:lstStyle/>
+          <a:p>
+            <a:r>
+              <a:rPr lang="en-US" dirty="0" smtClean="0"/>
+              <a:t>Actions</a:t>
+            </a:r>
+            <a:endParaRPr lang="en-US" dirty="0"/>
+          </a:p>
+        </p:txBody>
+      </p:sp>
+      <p:sp>
+        <p:nvSpPr>
+          <p:cNvPr id="3" name="Content Placeholder 2"/>
+          <p:cNvSpPr>
+            <a:spLocks noGrp="1"/>
+          </p:cNvSpPr>
+          <p:nvPr>
+            <p:ph idx="1"/>
+          </p:nvPr>
+        </p:nvSpPr>
+        <p:spPr/>
+        <p:txBody>
+          <a:bodyPr/>
+          <a:lstStyle/>
+          <a:p>
+            <a:r>
+              <a:rPr lang="en-US" dirty="0" smtClean="0"/>
+              <a:t>Return any model and the result is determined through Content Negotiation</a:t>
+            </a:r>
+          </a:p>
+          <a:p>
+            <a:r>
+              <a:rPr lang="en-US" dirty="0" smtClean="0"/>
+              <a:t>Response object </a:t>
+            </a:r>
           </a:p>
           <a:p>
             <a:pPr lvl="1"/>
@@ -5527,7 +5665,7 @@
 </p:sld>
 </file>
 
-<file path=ppt/slides/slide31.xml><?xml version="1.0" encoding="utf-8"?>
+<file path=ppt/slides/slide32.xml><?xml version="1.0" encoding="utf-8"?>
 <p:sld xmlns:a="http://schemas.openxmlformats.org/drawingml/2006/main" xmlns:r="http://schemas.openxmlformats.org/officeDocument/2006/relationships" xmlns:p="http://schemas.openxmlformats.org/presentationml/2006/main">
   <p:cSld>
     <p:spTree>
@@ -5676,111 +5814,6 @@
 </p:sld>
 </file>
 
-<file path=ppt/slides/slide32.xml><?xml version="1.0" encoding="utf-8"?>
-<p:sld xmlns:a="http://schemas.openxmlformats.org/drawingml/2006/main" xmlns:r="http://schemas.openxmlformats.org/officeDocument/2006/relationships" xmlns:p="http://schemas.openxmlformats.org/presentationml/2006/main">
-  <p:cSld>
-    <p:spTree>
-      <p:nvGrpSpPr>
-        <p:cNvPr id="1" name=""/>
-        <p:cNvGrpSpPr/>
-        <p:nvPr/>
-      </p:nvGrpSpPr>
-      <p:grpSpPr>
-        <a:xfrm>
-          <a:off x="0" y="0"/>
-          <a:ext cx="0" cy="0"/>
-          <a:chOff x="0" y="0"/>
-          <a:chExt cx="0" cy="0"/>
-        </a:xfrm>
-      </p:grpSpPr>
-      <p:sp>
-        <p:nvSpPr>
-          <p:cNvPr id="2" name="Title 1"/>
-          <p:cNvSpPr>
-            <a:spLocks noGrp="1"/>
-          </p:cNvSpPr>
-          <p:nvPr>
-            <p:ph type="title"/>
-          </p:nvPr>
-        </p:nvSpPr>
-        <p:spPr/>
-        <p:txBody>
-          <a:bodyPr/>
-          <a:lstStyle/>
-          <a:p>
-            <a:r>
-              <a:rPr lang="en-US" dirty="0" smtClean="0"/>
-              <a:t>Super Simple View Engine</a:t>
-            </a:r>
-            <a:endParaRPr lang="en-US" dirty="0"/>
-          </a:p>
-        </p:txBody>
-      </p:sp>
-      <p:sp>
-        <p:nvSpPr>
-          <p:cNvPr id="3" name="Content Placeholder 2"/>
-          <p:cNvSpPr>
-            <a:spLocks noGrp="1"/>
-          </p:cNvSpPr>
-          <p:nvPr>
-            <p:ph idx="1"/>
-          </p:nvPr>
-        </p:nvSpPr>
-        <p:spPr/>
-        <p:txBody>
-          <a:bodyPr/>
-          <a:lstStyle/>
-          <a:p>
-            <a:r>
-              <a:rPr lang="en-US" dirty="0" smtClean="0"/>
-              <a:t>Variables</a:t>
-            </a:r>
-          </a:p>
-          <a:p>
-            <a:pPr lvl="1"/>
-            <a:r>
-              <a:rPr lang="en-US" dirty="0" smtClean="0"/>
-              <a:t>Hello @</a:t>
-            </a:r>
-            <a:r>
-              <a:rPr lang="en-US" dirty="0" err="1" smtClean="0"/>
-              <a:t>Model.Name</a:t>
-            </a:r>
-            <a:r>
-              <a:rPr lang="en-US" dirty="0" smtClean="0"/>
-              <a:t>, your age is @</a:t>
-            </a:r>
-            <a:r>
-              <a:rPr lang="en-US" dirty="0" err="1" smtClean="0"/>
-              <a:t>Model.User.Age</a:t>
-            </a:r>
-            <a:r>
-              <a:rPr lang="en-US" dirty="0" smtClean="0"/>
-              <a:t> </a:t>
-            </a:r>
-          </a:p>
-        </p:txBody>
-      </p:sp>
-    </p:spTree>
-    <p:extLst>
-      <p:ext uri="{BB962C8B-B14F-4D97-AF65-F5344CB8AC3E}">
-        <p14:creationId xmlns:p14="http://schemas.microsoft.com/office/powerpoint/2010/main" val="412739888"/>
-      </p:ext>
-    </p:extLst>
-  </p:cSld>
-  <p:clrMapOvr>
-    <a:masterClrMapping/>
-  </p:clrMapOvr>
-  <p:timing>
-    <p:tnLst>
-      <p:par>
-        <p:cTn id="1" dur="indefinite" restart="never" nodeType="tmRoot"/>
-      </p:par>
-    </p:tnLst>
-  </p:timing>
-</p:sld>
-</file>
-
 <file path=ppt/slides/slide33.xml><?xml version="1.0" encoding="utf-8"?>
 <p:sld xmlns:a="http://schemas.openxmlformats.org/drawingml/2006/main" xmlns:r="http://schemas.openxmlformats.org/officeDocument/2006/relationships" xmlns:p="http://schemas.openxmlformats.org/presentationml/2006/main">
   <p:cSld>
@@ -5864,75 +5897,12 @@
               <a:t> </a:t>
             </a:r>
           </a:p>
-          <a:p>
-            <a:r>
-              <a:rPr lang="en-US" dirty="0" smtClean="0"/>
-              <a:t>Iterators</a:t>
-            </a:r>
-          </a:p>
-          <a:p>
-            <a:pPr lvl="1"/>
-            <a:r>
-              <a:rPr lang="en-US" dirty="0" smtClean="0"/>
-              <a:t>@</a:t>
-            </a:r>
-            <a:r>
-              <a:rPr lang="en-US" dirty="0" err="1" smtClean="0"/>
-              <a:t>Each.Users</a:t>
-            </a:r>
-            <a:r>
-              <a:rPr lang="en-US" dirty="0" smtClean="0"/>
-              <a:t> </a:t>
-            </a:r>
-          </a:p>
-          <a:p>
-            <a:pPr marL="457200" lvl="1" indent="0">
-              <a:buNone/>
-            </a:pPr>
-            <a:r>
-              <a:rPr lang="en-US" dirty="0"/>
-              <a:t> </a:t>
-            </a:r>
-            <a:r>
-              <a:rPr lang="en-US" dirty="0" smtClean="0"/>
-              <a:t>         Hello @</a:t>
-            </a:r>
-            <a:r>
-              <a:rPr lang="en-US" dirty="0" err="1" smtClean="0"/>
-              <a:t>Current.Name</a:t>
-            </a:r>
-            <a:r>
-              <a:rPr lang="en-US" dirty="0" smtClean="0"/>
-              <a:t>! </a:t>
-            </a:r>
-          </a:p>
-          <a:p>
-            <a:pPr marL="457200" lvl="1" indent="0">
-              <a:buNone/>
-            </a:pPr>
-            <a:r>
-              <a:rPr lang="en-US" dirty="0"/>
-              <a:t> </a:t>
-            </a:r>
-            <a:r>
-              <a:rPr lang="en-US" dirty="0" smtClean="0"/>
-              <a:t>   @</a:t>
-            </a:r>
-            <a:r>
-              <a:rPr lang="en-US" dirty="0" err="1" smtClean="0"/>
-              <a:t>EndEach</a:t>
-            </a:r>
-            <a:r>
-              <a:rPr lang="en-US" dirty="0" smtClean="0"/>
-              <a:t> </a:t>
-            </a:r>
-          </a:p>
         </p:txBody>
       </p:sp>
     </p:spTree>
     <p:extLst>
       <p:ext uri="{BB962C8B-B14F-4D97-AF65-F5344CB8AC3E}">
-        <p14:creationId xmlns:p14="http://schemas.microsoft.com/office/powerpoint/2010/main" val="424936681"/>
+        <p14:creationId xmlns:p14="http://schemas.microsoft.com/office/powerpoint/2010/main" val="412739888"/>
       </p:ext>
     </p:extLst>
   </p:cSld>
@@ -6095,58 +6065,12 @@
               <a:t> </a:t>
             </a:r>
           </a:p>
-          <a:p>
-            <a:r>
-              <a:rPr lang="en-US" dirty="0" smtClean="0"/>
-              <a:t>Conditionals</a:t>
-            </a:r>
-          </a:p>
-          <a:p>
-            <a:pPr lvl="1"/>
-            <a:r>
-              <a:rPr lang="en-US" dirty="0" smtClean="0"/>
-              <a:t>@If … @</a:t>
-            </a:r>
-            <a:r>
-              <a:rPr lang="en-US" dirty="0" err="1" smtClean="0"/>
-              <a:t>EndIf</a:t>
-            </a:r>
-            <a:endParaRPr lang="en-US" dirty="0" smtClean="0"/>
-          </a:p>
-          <a:p>
-            <a:pPr lvl="1"/>
-            <a:r>
-              <a:rPr lang="en-US" dirty="0" smtClean="0"/>
-              <a:t>@</a:t>
-            </a:r>
-            <a:r>
-              <a:rPr lang="en-US" dirty="0" err="1" smtClean="0"/>
-              <a:t>IfNot</a:t>
-            </a:r>
-            <a:r>
-              <a:rPr lang="en-US" dirty="0" smtClean="0"/>
-              <a:t> … @</a:t>
-            </a:r>
-            <a:r>
-              <a:rPr lang="en-US" dirty="0" err="1" smtClean="0"/>
-              <a:t>EndIf</a:t>
-            </a:r>
-            <a:endParaRPr lang="en-US" dirty="0" smtClean="0"/>
-          </a:p>
-          <a:p>
-            <a:pPr lvl="1"/>
-            <a:r>
-              <a:rPr lang="en-US" dirty="0" err="1" smtClean="0"/>
-              <a:t>HasCollection</a:t>
-            </a:r>
-            <a:endParaRPr lang="en-US" dirty="0"/>
-          </a:p>
         </p:txBody>
       </p:sp>
     </p:spTree>
     <p:extLst>
       <p:ext uri="{BB962C8B-B14F-4D97-AF65-F5344CB8AC3E}">
-        <p14:creationId xmlns:p14="http://schemas.microsoft.com/office/powerpoint/2010/main" val="41239472"/>
+        <p14:creationId xmlns:p14="http://schemas.microsoft.com/office/powerpoint/2010/main" val="424936681"/>
       </p:ext>
     </p:extLst>
   </p:cSld>
@@ -6220,13 +6144,139 @@
           <a:p>
             <a:r>
               <a:rPr lang="en-US" dirty="0" smtClean="0"/>
-              <a:t>Html Encoding - @!</a:t>
-            </a:r>
-          </a:p>
-          <a:p>
-            <a:pPr marL="0" indent="0">
+              <a:t>Variables</a:t>
+            </a:r>
+          </a:p>
+          <a:p>
+            <a:pPr lvl="1"/>
+            <a:r>
+              <a:rPr lang="en-US" dirty="0" smtClean="0"/>
+              <a:t>Hello @</a:t>
+            </a:r>
+            <a:r>
+              <a:rPr lang="en-US" dirty="0" err="1" smtClean="0"/>
+              <a:t>Model.Name</a:t>
+            </a:r>
+            <a:r>
+              <a:rPr lang="en-US" dirty="0" smtClean="0"/>
+              <a:t>, your age is @</a:t>
+            </a:r>
+            <a:r>
+              <a:rPr lang="en-US" dirty="0" err="1" smtClean="0"/>
+              <a:t>Model.User.Age</a:t>
+            </a:r>
+            <a:r>
+              <a:rPr lang="en-US" dirty="0" smtClean="0"/>
+              <a:t> </a:t>
+            </a:r>
+          </a:p>
+          <a:p>
+            <a:r>
+              <a:rPr lang="en-US" dirty="0" smtClean="0"/>
+              <a:t>Iterators</a:t>
+            </a:r>
+          </a:p>
+          <a:p>
+            <a:pPr lvl="1"/>
+            <a:r>
+              <a:rPr lang="en-US" dirty="0" smtClean="0"/>
+              <a:t>@</a:t>
+            </a:r>
+            <a:r>
+              <a:rPr lang="en-US" dirty="0" err="1" smtClean="0"/>
+              <a:t>Each.Users</a:t>
+            </a:r>
+            <a:r>
+              <a:rPr lang="en-US" dirty="0" smtClean="0"/>
+              <a:t> </a:t>
+            </a:r>
+          </a:p>
+          <a:p>
+            <a:pPr marL="457200" lvl="1" indent="0">
               <a:buNone/>
             </a:pPr>
+            <a:r>
+              <a:rPr lang="en-US" dirty="0"/>
+              <a:t> </a:t>
+            </a:r>
+            <a:r>
+              <a:rPr lang="en-US" dirty="0" smtClean="0"/>
+              <a:t>         Hello @</a:t>
+            </a:r>
+            <a:r>
+              <a:rPr lang="en-US" dirty="0" err="1" smtClean="0"/>
+              <a:t>Current.Name</a:t>
+            </a:r>
+            <a:r>
+              <a:rPr lang="en-US" dirty="0" smtClean="0"/>
+              <a:t>! </a:t>
+            </a:r>
+          </a:p>
+          <a:p>
+            <a:pPr marL="457200" lvl="1" indent="0">
+              <a:buNone/>
+            </a:pPr>
+            <a:r>
+              <a:rPr lang="en-US" dirty="0"/>
+              <a:t> </a:t>
+            </a:r>
+            <a:r>
+              <a:rPr lang="en-US" dirty="0" smtClean="0"/>
+              <a:t>   @</a:t>
+            </a:r>
+            <a:r>
+              <a:rPr lang="en-US" dirty="0" err="1" smtClean="0"/>
+              <a:t>EndEach</a:t>
+            </a:r>
+            <a:r>
+              <a:rPr lang="en-US" dirty="0" smtClean="0"/>
+              <a:t> </a:t>
+            </a:r>
+          </a:p>
+          <a:p>
+            <a:r>
+              <a:rPr lang="en-US" dirty="0" smtClean="0"/>
+              <a:t>Conditionals</a:t>
+            </a:r>
+          </a:p>
+          <a:p>
+            <a:pPr lvl="1"/>
+            <a:r>
+              <a:rPr lang="en-US" dirty="0" smtClean="0"/>
+              <a:t>@If … @</a:t>
+            </a:r>
+            <a:r>
+              <a:rPr lang="en-US" dirty="0" err="1" smtClean="0"/>
+              <a:t>EndIf</a:t>
+            </a:r>
+            <a:endParaRPr lang="en-US" dirty="0" smtClean="0"/>
+          </a:p>
+          <a:p>
+            <a:pPr lvl="1"/>
+            <a:r>
+              <a:rPr lang="en-US" dirty="0" smtClean="0"/>
+              <a:t>@</a:t>
+            </a:r>
+            <a:r>
+              <a:rPr lang="en-US" dirty="0" err="1" smtClean="0"/>
+              <a:t>IfNot</a:t>
+            </a:r>
+            <a:r>
+              <a:rPr lang="en-US" dirty="0" smtClean="0"/>
+              <a:t> … @</a:t>
+            </a:r>
+            <a:r>
+              <a:rPr lang="en-US" dirty="0" err="1" smtClean="0"/>
+              <a:t>EndIf</a:t>
+            </a:r>
+            <a:endParaRPr lang="en-US" dirty="0" smtClean="0"/>
+          </a:p>
+          <a:p>
+            <a:pPr lvl="1"/>
+            <a:r>
+              <a:rPr lang="en-US" dirty="0" err="1" smtClean="0"/>
+              <a:t>HasCollection</a:t>
+            </a:r>
             <a:endParaRPr lang="en-US" dirty="0"/>
           </a:p>
         </p:txBody>
@@ -6234,7 +6284,7 @@
     </p:spTree>
     <p:extLst>
       <p:ext uri="{BB962C8B-B14F-4D97-AF65-F5344CB8AC3E}">
-        <p14:creationId xmlns:p14="http://schemas.microsoft.com/office/powerpoint/2010/main" val="4281544233"/>
+        <p14:creationId xmlns:p14="http://schemas.microsoft.com/office/powerpoint/2010/main" val="41239472"/>
       </p:ext>
     </p:extLst>
   </p:cSld>
@@ -6312,50 +6362,6 @@
             </a:r>
           </a:p>
           <a:p>
-            <a:r>
-              <a:rPr lang="en-US" dirty="0" smtClean="0"/>
-              <a:t>Partial Views</a:t>
-            </a:r>
-          </a:p>
-          <a:p>
-            <a:pPr lvl="1"/>
-            <a:r>
-              <a:rPr lang="en-US" dirty="0" smtClean="0"/>
-              <a:t>@Partial[‘</a:t>
-            </a:r>
-            <a:r>
-              <a:rPr lang="en-US" dirty="0" err="1" smtClean="0"/>
-              <a:t>mypartialview.sshtml</a:t>
-            </a:r>
-            <a:r>
-              <a:rPr lang="en-US" dirty="0" smtClean="0"/>
-              <a:t>’]</a:t>
-            </a:r>
-          </a:p>
-          <a:p>
-            <a:pPr lvl="1"/>
-            <a:r>
-              <a:rPr lang="en-US" dirty="0" smtClean="0"/>
-              <a:t>@Partial[‘</a:t>
-            </a:r>
-            <a:r>
-              <a:rPr lang="en-US" dirty="0" err="1" smtClean="0"/>
-              <a:t>mypartialview.sshtml</a:t>
-            </a:r>
-            <a:r>
-              <a:rPr lang="en-US" dirty="0" smtClean="0"/>
-              <a:t>’, </a:t>
-            </a:r>
-            <a:r>
-              <a:rPr lang="en-US" dirty="0" err="1" smtClean="0"/>
-              <a:t>Model.User</a:t>
-            </a:r>
-            <a:r>
-              <a:rPr lang="en-US" dirty="0" smtClean="0"/>
-              <a:t>]</a:t>
-            </a:r>
-          </a:p>
-          <a:p>
             <a:pPr marL="0" indent="0">
               <a:buNone/>
             </a:pPr>
@@ -6366,7 +6372,7 @@
     </p:spTree>
     <p:extLst>
       <p:ext uri="{BB962C8B-B14F-4D97-AF65-F5344CB8AC3E}">
-        <p14:creationId xmlns:p14="http://schemas.microsoft.com/office/powerpoint/2010/main" val="1977373028"/>
+        <p14:creationId xmlns:p14="http://schemas.microsoft.com/office/powerpoint/2010/main" val="4281544233"/>
       </p:ext>
     </p:extLst>
   </p:cSld>
@@ -6488,6 +6494,138 @@
             </a:r>
           </a:p>
           <a:p>
+            <a:pPr marL="0" indent="0">
+              <a:buNone/>
+            </a:pPr>
+            <a:endParaRPr lang="en-US" dirty="0"/>
+          </a:p>
+        </p:txBody>
+      </p:sp>
+    </p:spTree>
+    <p:extLst>
+      <p:ext uri="{BB962C8B-B14F-4D97-AF65-F5344CB8AC3E}">
+        <p14:creationId xmlns:p14="http://schemas.microsoft.com/office/powerpoint/2010/main" val="1977373028"/>
+      </p:ext>
+    </p:extLst>
+  </p:cSld>
+  <p:clrMapOvr>
+    <a:masterClrMapping/>
+  </p:clrMapOvr>
+  <p:timing>
+    <p:tnLst>
+      <p:par>
+        <p:cTn id="1" dur="indefinite" restart="never" nodeType="tmRoot"/>
+      </p:par>
+    </p:tnLst>
+  </p:timing>
+</p:sld>
+</file>
+
+<file path=ppt/slides/slide38.xml><?xml version="1.0" encoding="utf-8"?>
+<p:sld xmlns:a="http://schemas.openxmlformats.org/drawingml/2006/main" xmlns:r="http://schemas.openxmlformats.org/officeDocument/2006/relationships" xmlns:p="http://schemas.openxmlformats.org/presentationml/2006/main">
+  <p:cSld>
+    <p:spTree>
+      <p:nvGrpSpPr>
+        <p:cNvPr id="1" name=""/>
+        <p:cNvGrpSpPr/>
+        <p:nvPr/>
+      </p:nvGrpSpPr>
+      <p:grpSpPr>
+        <a:xfrm>
+          <a:off x="0" y="0"/>
+          <a:ext cx="0" cy="0"/>
+          <a:chOff x="0" y="0"/>
+          <a:chExt cx="0" cy="0"/>
+        </a:xfrm>
+      </p:grpSpPr>
+      <p:sp>
+        <p:nvSpPr>
+          <p:cNvPr id="2" name="Title 1"/>
+          <p:cNvSpPr>
+            <a:spLocks noGrp="1"/>
+          </p:cNvSpPr>
+          <p:nvPr>
+            <p:ph type="title"/>
+          </p:nvPr>
+        </p:nvSpPr>
+        <p:spPr/>
+        <p:txBody>
+          <a:bodyPr/>
+          <a:lstStyle/>
+          <a:p>
+            <a:r>
+              <a:rPr lang="en-US" dirty="0" smtClean="0"/>
+              <a:t>Super Simple View Engine</a:t>
+            </a:r>
+            <a:endParaRPr lang="en-US" dirty="0"/>
+          </a:p>
+        </p:txBody>
+      </p:sp>
+      <p:sp>
+        <p:nvSpPr>
+          <p:cNvPr id="3" name="Content Placeholder 2"/>
+          <p:cNvSpPr>
+            <a:spLocks noGrp="1"/>
+          </p:cNvSpPr>
+          <p:nvPr>
+            <p:ph idx="1"/>
+          </p:nvPr>
+        </p:nvSpPr>
+        <p:spPr/>
+        <p:txBody>
+          <a:bodyPr/>
+          <a:lstStyle/>
+          <a:p>
+            <a:r>
+              <a:rPr lang="en-US" dirty="0" smtClean="0"/>
+              <a:t>Html Encoding - @!</a:t>
+            </a:r>
+          </a:p>
+          <a:p>
+            <a:r>
+              <a:rPr lang="en-US" dirty="0" smtClean="0"/>
+              <a:t>Partial Views</a:t>
+            </a:r>
+          </a:p>
+          <a:p>
+            <a:pPr lvl="1"/>
+            <a:r>
+              <a:rPr lang="en-US" dirty="0" smtClean="0"/>
+              <a:t>@Partial[‘</a:t>
+            </a:r>
+            <a:r>
+              <a:rPr lang="en-US" dirty="0" err="1" smtClean="0"/>
+              <a:t>mypartialview.sshtml</a:t>
+            </a:r>
+            <a:r>
+              <a:rPr lang="en-US" dirty="0" smtClean="0"/>
+              <a:t>’]</a:t>
+            </a:r>
+          </a:p>
+          <a:p>
+            <a:pPr lvl="1"/>
+            <a:r>
+              <a:rPr lang="en-US" dirty="0" smtClean="0"/>
+              <a:t>@Partial[‘</a:t>
+            </a:r>
+            <a:r>
+              <a:rPr lang="en-US" dirty="0" err="1" smtClean="0"/>
+              <a:t>mypartialview.sshtml</a:t>
+            </a:r>
+            <a:r>
+              <a:rPr lang="en-US" dirty="0" smtClean="0"/>
+              <a:t>’, </a:t>
+            </a:r>
+            <a:r>
+              <a:rPr lang="en-US" dirty="0" err="1" smtClean="0"/>
+              <a:t>Model.User</a:t>
+            </a:r>
+            <a:r>
+              <a:rPr lang="en-US" dirty="0" smtClean="0"/>
+              <a:t>]</a:t>
+            </a:r>
+          </a:p>
+          <a:p>
             <a:r>
               <a:rPr lang="en-US" dirty="0" smtClean="0"/>
               <a:t>Master Pages and Sections</a:t>
@@ -6540,7 +6678,7 @@
 </p:sld>
 </file>
 
-<file path=ppt/slides/slide38.xml><?xml version="1.0" encoding="utf-8"?>
+<file path=ppt/slides/slide39.xml><?xml version="1.0" encoding="utf-8"?>
 <p:sld xmlns:a="http://schemas.openxmlformats.org/drawingml/2006/main" xmlns:r="http://schemas.openxmlformats.org/officeDocument/2006/relationships" xmlns:p="http://schemas.openxmlformats.org/presentationml/2006/main">
   <p:cSld>
     <p:spTree>
@@ -6809,6 +6947,1054 @@
 </p:sld>
 </file>
 
+<file path=ppt/slides/slide40.xml><?xml version="1.0" encoding="utf-8"?>
+<p:sld xmlns:a="http://schemas.openxmlformats.org/drawingml/2006/main" xmlns:r="http://schemas.openxmlformats.org/officeDocument/2006/relationships" xmlns:p="http://schemas.openxmlformats.org/presentationml/2006/main">
+  <p:cSld>
+    <p:spTree>
+      <p:nvGrpSpPr>
+        <p:cNvPr id="1" name=""/>
+        <p:cNvGrpSpPr/>
+        <p:nvPr/>
+      </p:nvGrpSpPr>
+      <p:grpSpPr>
+        <a:xfrm>
+          <a:off x="0" y="0"/>
+          <a:ext cx="0" cy="0"/>
+          <a:chOff x="0" y="0"/>
+          <a:chExt cx="0" cy="0"/>
+        </a:xfrm>
+      </p:grpSpPr>
+      <p:sp>
+        <p:nvSpPr>
+          <p:cNvPr id="2" name="Title 1"/>
+          <p:cNvSpPr>
+            <a:spLocks noGrp="1"/>
+          </p:cNvSpPr>
+          <p:nvPr>
+            <p:ph type="title"/>
+          </p:nvPr>
+        </p:nvSpPr>
+        <p:spPr/>
+        <p:txBody>
+          <a:bodyPr/>
+          <a:lstStyle/>
+          <a:p>
+            <a:r>
+              <a:rPr lang="en-US" dirty="0" smtClean="0"/>
+              <a:t>Model Binding</a:t>
+            </a:r>
+            <a:endParaRPr lang="en-US" dirty="0"/>
+          </a:p>
+        </p:txBody>
+      </p:sp>
+      <p:sp>
+        <p:nvSpPr>
+          <p:cNvPr id="3" name="Content Placeholder 2"/>
+          <p:cNvSpPr>
+            <a:spLocks noGrp="1"/>
+          </p:cNvSpPr>
+          <p:nvPr>
+            <p:ph idx="1"/>
+          </p:nvPr>
+        </p:nvSpPr>
+        <p:spPr>
+          <a:xfrm>
+            <a:off x="838200" y="3625231"/>
+            <a:ext cx="10515600" cy="2551731"/>
+          </a:xfrm>
+        </p:spPr>
+        <p:txBody>
+          <a:bodyPr/>
+          <a:lstStyle/>
+          <a:p>
+            <a:endParaRPr lang="en-US" dirty="0"/>
+          </a:p>
+        </p:txBody>
+      </p:sp>
+      <p:pic>
+        <p:nvPicPr>
+          <p:cNvPr id="4" name="Picture 3"/>
+          <p:cNvPicPr>
+            <a:picLocks noChangeAspect="1"/>
+          </p:cNvPicPr>
+          <p:nvPr/>
+        </p:nvPicPr>
+        <p:blipFill>
+          <a:blip r:embed="rId2"/>
+          <a:stretch>
+            <a:fillRect/>
+          </a:stretch>
+        </p:blipFill>
+        <p:spPr>
+          <a:xfrm>
+            <a:off x="1121210" y="1690688"/>
+            <a:ext cx="3572171" cy="1684692"/>
+          </a:xfrm>
+          <a:prstGeom prst="rect">
+            <a:avLst/>
+          </a:prstGeom>
+        </p:spPr>
+      </p:pic>
+    </p:spTree>
+    <p:extLst>
+      <p:ext uri="{BB962C8B-B14F-4D97-AF65-F5344CB8AC3E}">
+        <p14:creationId xmlns:p14="http://schemas.microsoft.com/office/powerpoint/2010/main" val="2183430591"/>
+      </p:ext>
+    </p:extLst>
+  </p:cSld>
+  <p:clrMapOvr>
+    <a:masterClrMapping/>
+  </p:clrMapOvr>
+</p:sld>
+</file>
+
+<file path=ppt/slides/slide41.xml><?xml version="1.0" encoding="utf-8"?>
+<p:sld xmlns:a="http://schemas.openxmlformats.org/drawingml/2006/main" xmlns:r="http://schemas.openxmlformats.org/officeDocument/2006/relationships" xmlns:p="http://schemas.openxmlformats.org/presentationml/2006/main">
+  <p:cSld>
+    <p:spTree>
+      <p:nvGrpSpPr>
+        <p:cNvPr id="1" name=""/>
+        <p:cNvGrpSpPr/>
+        <p:nvPr/>
+      </p:nvGrpSpPr>
+      <p:grpSpPr>
+        <a:xfrm>
+          <a:off x="0" y="0"/>
+          <a:ext cx="0" cy="0"/>
+          <a:chOff x="0" y="0"/>
+          <a:chExt cx="0" cy="0"/>
+        </a:xfrm>
+      </p:grpSpPr>
+      <p:sp>
+        <p:nvSpPr>
+          <p:cNvPr id="2" name="Title 1"/>
+          <p:cNvSpPr>
+            <a:spLocks noGrp="1"/>
+          </p:cNvSpPr>
+          <p:nvPr>
+            <p:ph type="title"/>
+          </p:nvPr>
+        </p:nvSpPr>
+        <p:spPr/>
+        <p:txBody>
+          <a:bodyPr/>
+          <a:lstStyle/>
+          <a:p>
+            <a:r>
+              <a:rPr lang="en-US" dirty="0" smtClean="0"/>
+              <a:t>Model Binding</a:t>
+            </a:r>
+            <a:endParaRPr lang="en-US" dirty="0"/>
+          </a:p>
+        </p:txBody>
+      </p:sp>
+      <p:pic>
+        <p:nvPicPr>
+          <p:cNvPr id="4" name="Content Placeholder 3"/>
+          <p:cNvPicPr>
+            <a:picLocks noGrp="1" noChangeAspect="1"/>
+          </p:cNvPicPr>
+          <p:nvPr>
+            <p:ph idx="1"/>
+          </p:nvPr>
+        </p:nvPicPr>
+        <p:blipFill>
+          <a:blip r:embed="rId2"/>
+          <a:stretch>
+            <a:fillRect/>
+          </a:stretch>
+        </p:blipFill>
+        <p:spPr>
+          <a:xfrm>
+            <a:off x="1684112" y="2071513"/>
+            <a:ext cx="8173822" cy="453202"/>
+          </a:xfrm>
+          <a:prstGeom prst="rect">
+            <a:avLst/>
+          </a:prstGeom>
+        </p:spPr>
+      </p:pic>
+      <p:pic>
+        <p:nvPicPr>
+          <p:cNvPr id="5" name="Picture 4"/>
+          <p:cNvPicPr>
+            <a:picLocks noChangeAspect="1"/>
+          </p:cNvPicPr>
+          <p:nvPr/>
+        </p:nvPicPr>
+        <p:blipFill>
+          <a:blip r:embed="rId3"/>
+          <a:stretch>
+            <a:fillRect/>
+          </a:stretch>
+        </p:blipFill>
+        <p:spPr>
+          <a:xfrm>
+            <a:off x="1684112" y="3115434"/>
+            <a:ext cx="6433170" cy="428878"/>
+          </a:xfrm>
+          <a:prstGeom prst="rect">
+            <a:avLst/>
+          </a:prstGeom>
+        </p:spPr>
+      </p:pic>
+    </p:spTree>
+    <p:extLst>
+      <p:ext uri="{BB962C8B-B14F-4D97-AF65-F5344CB8AC3E}">
+        <p14:creationId xmlns:p14="http://schemas.microsoft.com/office/powerpoint/2010/main" val="3847754815"/>
+      </p:ext>
+    </p:extLst>
+  </p:cSld>
+  <p:clrMapOvr>
+    <a:masterClrMapping/>
+  </p:clrMapOvr>
+</p:sld>
+</file>
+
+<file path=ppt/slides/slide42.xml><?xml version="1.0" encoding="utf-8"?>
+<p:sld xmlns:a="http://schemas.openxmlformats.org/drawingml/2006/main" xmlns:r="http://schemas.openxmlformats.org/officeDocument/2006/relationships" xmlns:p="http://schemas.openxmlformats.org/presentationml/2006/main">
+  <p:cSld>
+    <p:spTree>
+      <p:nvGrpSpPr>
+        <p:cNvPr id="1" name=""/>
+        <p:cNvGrpSpPr/>
+        <p:nvPr/>
+      </p:nvGrpSpPr>
+      <p:grpSpPr>
+        <a:xfrm>
+          <a:off x="0" y="0"/>
+          <a:ext cx="0" cy="0"/>
+          <a:chOff x="0" y="0"/>
+          <a:chExt cx="0" cy="0"/>
+        </a:xfrm>
+      </p:grpSpPr>
+      <p:sp>
+        <p:nvSpPr>
+          <p:cNvPr id="2" name="Title 1"/>
+          <p:cNvSpPr>
+            <a:spLocks noGrp="1"/>
+          </p:cNvSpPr>
+          <p:nvPr>
+            <p:ph type="title"/>
+          </p:nvPr>
+        </p:nvSpPr>
+        <p:spPr/>
+        <p:txBody>
+          <a:bodyPr/>
+          <a:lstStyle/>
+          <a:p>
+            <a:r>
+              <a:rPr lang="en-US" dirty="0" err="1" smtClean="0"/>
+              <a:t>Bootstrapper</a:t>
+            </a:r>
+            <a:endParaRPr lang="en-US" dirty="0"/>
+          </a:p>
+        </p:txBody>
+      </p:sp>
+      <p:sp>
+        <p:nvSpPr>
+          <p:cNvPr id="3" name="Content Placeholder 2"/>
+          <p:cNvSpPr>
+            <a:spLocks noGrp="1"/>
+          </p:cNvSpPr>
+          <p:nvPr>
+            <p:ph idx="1"/>
+          </p:nvPr>
+        </p:nvSpPr>
+        <p:spPr/>
+        <p:txBody>
+          <a:bodyPr/>
+          <a:lstStyle/>
+          <a:p>
+            <a:r>
+              <a:rPr lang="en-US" dirty="0" err="1" smtClean="0"/>
+              <a:t>TinyIoC</a:t>
+            </a:r>
+            <a:r>
+              <a:rPr lang="en-US" dirty="0"/>
+              <a:t> (</a:t>
+            </a:r>
+            <a:r>
+              <a:rPr lang="en-US" dirty="0">
+                <a:hlinkClick r:id="rId2"/>
+              </a:rPr>
+              <a:t>https://</a:t>
+            </a:r>
+            <a:r>
+              <a:rPr lang="en-US" dirty="0" smtClean="0">
+                <a:hlinkClick r:id="rId2"/>
+              </a:rPr>
+              <a:t>github.com/grumpydev/TinyIoC</a:t>
+            </a:r>
+            <a:r>
+              <a:rPr lang="en-US" dirty="0" smtClean="0"/>
+              <a:t>)</a:t>
+            </a:r>
+          </a:p>
+          <a:p>
+            <a:r>
+              <a:rPr lang="en-US" dirty="0" err="1" smtClean="0"/>
+              <a:t>AutoRegister</a:t>
+            </a:r>
+            <a:endParaRPr lang="en-US" dirty="0" smtClean="0"/>
+          </a:p>
+          <a:p>
+            <a:r>
+              <a:rPr lang="en-US" dirty="0" smtClean="0"/>
+              <a:t>Check </a:t>
+            </a:r>
+            <a:r>
+              <a:rPr lang="en-US" dirty="0" err="1" smtClean="0"/>
+              <a:t>NuGet</a:t>
+            </a:r>
+            <a:r>
+              <a:rPr lang="en-US" dirty="0" smtClean="0"/>
+              <a:t> for Alternatives</a:t>
+            </a:r>
+          </a:p>
+          <a:p>
+            <a:pPr lvl="1"/>
+            <a:r>
+              <a:rPr lang="en-US" dirty="0" err="1" smtClean="0"/>
+              <a:t>Autofac</a:t>
+            </a:r>
+            <a:endParaRPr lang="en-US" dirty="0" smtClean="0"/>
+          </a:p>
+          <a:p>
+            <a:pPr lvl="1"/>
+            <a:r>
+              <a:rPr lang="en-US" dirty="0" err="1" smtClean="0"/>
+              <a:t>Ninject</a:t>
+            </a:r>
+            <a:endParaRPr lang="en-US" dirty="0" smtClean="0"/>
+          </a:p>
+          <a:p>
+            <a:pPr lvl="1"/>
+            <a:r>
+              <a:rPr lang="en-US" dirty="0" err="1" smtClean="0"/>
+              <a:t>StructureMap</a:t>
+            </a:r>
+            <a:endParaRPr lang="en-US" dirty="0" smtClean="0"/>
+          </a:p>
+          <a:p>
+            <a:pPr lvl="1"/>
+            <a:r>
+              <a:rPr lang="en-US" dirty="0" smtClean="0"/>
+              <a:t>Unity</a:t>
+            </a:r>
+          </a:p>
+          <a:p>
+            <a:pPr lvl="1"/>
+            <a:r>
+              <a:rPr lang="en-US" dirty="0" smtClean="0"/>
+              <a:t>Windsor</a:t>
+            </a:r>
+          </a:p>
+          <a:p>
+            <a:pPr lvl="1"/>
+            <a:endParaRPr lang="en-US" dirty="0" smtClean="0"/>
+          </a:p>
+          <a:p>
+            <a:pPr lvl="1"/>
+            <a:endParaRPr lang="en-US" dirty="0"/>
+          </a:p>
+        </p:txBody>
+      </p:sp>
+    </p:spTree>
+    <p:extLst>
+      <p:ext uri="{BB962C8B-B14F-4D97-AF65-F5344CB8AC3E}">
+        <p14:creationId xmlns:p14="http://schemas.microsoft.com/office/powerpoint/2010/main" val="715957453"/>
+      </p:ext>
+    </p:extLst>
+  </p:cSld>
+  <p:clrMapOvr>
+    <a:masterClrMapping/>
+  </p:clrMapOvr>
+</p:sld>
+</file>
+
+<file path=ppt/slides/slide43.xml><?xml version="1.0" encoding="utf-8"?>
+<p:sld xmlns:a="http://schemas.openxmlformats.org/drawingml/2006/main" xmlns:r="http://schemas.openxmlformats.org/officeDocument/2006/relationships" xmlns:p="http://schemas.openxmlformats.org/presentationml/2006/main">
+  <p:cSld>
+    <p:spTree>
+      <p:nvGrpSpPr>
+        <p:cNvPr id="1" name=""/>
+        <p:cNvGrpSpPr/>
+        <p:nvPr/>
+      </p:nvGrpSpPr>
+      <p:grpSpPr>
+        <a:xfrm>
+          <a:off x="0" y="0"/>
+          <a:ext cx="0" cy="0"/>
+          <a:chOff x="0" y="0"/>
+          <a:chExt cx="0" cy="0"/>
+        </a:xfrm>
+      </p:grpSpPr>
+      <p:sp>
+        <p:nvSpPr>
+          <p:cNvPr id="2" name="Title 1"/>
+          <p:cNvSpPr>
+            <a:spLocks noGrp="1"/>
+          </p:cNvSpPr>
+          <p:nvPr>
+            <p:ph type="title"/>
+          </p:nvPr>
+        </p:nvSpPr>
+        <p:spPr/>
+        <p:txBody>
+          <a:bodyPr/>
+          <a:lstStyle/>
+          <a:p>
+            <a:r>
+              <a:rPr lang="en-US" dirty="0" smtClean="0"/>
+              <a:t>Authorization</a:t>
+            </a:r>
+            <a:endParaRPr lang="en-US" dirty="0"/>
+          </a:p>
+        </p:txBody>
+      </p:sp>
+      <p:sp>
+        <p:nvSpPr>
+          <p:cNvPr id="3" name="Content Placeholder 2"/>
+          <p:cNvSpPr>
+            <a:spLocks noGrp="1"/>
+          </p:cNvSpPr>
+          <p:nvPr>
+            <p:ph idx="1"/>
+          </p:nvPr>
+        </p:nvSpPr>
+        <p:spPr/>
+        <p:txBody>
+          <a:bodyPr/>
+          <a:lstStyle/>
+          <a:p>
+            <a:r>
+              <a:rPr lang="en-US" dirty="0" smtClean="0"/>
+              <a:t>Basic</a:t>
+            </a:r>
+          </a:p>
+          <a:p>
+            <a:r>
+              <a:rPr lang="en-US" dirty="0" smtClean="0"/>
+              <a:t>Forms</a:t>
+            </a:r>
+          </a:p>
+          <a:p>
+            <a:r>
+              <a:rPr lang="en-US" dirty="0" smtClean="0"/>
+              <a:t>Stateless</a:t>
+            </a:r>
+            <a:endParaRPr lang="en-US" dirty="0"/>
+          </a:p>
+        </p:txBody>
+      </p:sp>
+    </p:spTree>
+    <p:extLst>
+      <p:ext uri="{BB962C8B-B14F-4D97-AF65-F5344CB8AC3E}">
+        <p14:creationId xmlns:p14="http://schemas.microsoft.com/office/powerpoint/2010/main" val="128256846"/>
+      </p:ext>
+    </p:extLst>
+  </p:cSld>
+  <p:clrMapOvr>
+    <a:masterClrMapping/>
+  </p:clrMapOvr>
+</p:sld>
+</file>
+
+<file path=ppt/slides/slide44.xml><?xml version="1.0" encoding="utf-8"?>
+<p:sld xmlns:a="http://schemas.openxmlformats.org/drawingml/2006/main" xmlns:r="http://schemas.openxmlformats.org/officeDocument/2006/relationships" xmlns:p="http://schemas.openxmlformats.org/presentationml/2006/main">
+  <p:cSld>
+    <p:spTree>
+      <p:nvGrpSpPr>
+        <p:cNvPr id="1" name=""/>
+        <p:cNvGrpSpPr/>
+        <p:nvPr/>
+      </p:nvGrpSpPr>
+      <p:grpSpPr>
+        <a:xfrm>
+          <a:off x="0" y="0"/>
+          <a:ext cx="0" cy="0"/>
+          <a:chOff x="0" y="0"/>
+          <a:chExt cx="0" cy="0"/>
+        </a:xfrm>
+      </p:grpSpPr>
+      <p:sp>
+        <p:nvSpPr>
+          <p:cNvPr id="2" name="Title 1"/>
+          <p:cNvSpPr>
+            <a:spLocks noGrp="1"/>
+          </p:cNvSpPr>
+          <p:nvPr>
+            <p:ph type="title"/>
+          </p:nvPr>
+        </p:nvSpPr>
+        <p:spPr/>
+        <p:txBody>
+          <a:bodyPr/>
+          <a:lstStyle/>
+          <a:p>
+            <a:r>
+              <a:rPr lang="en-US" dirty="0" smtClean="0"/>
+              <a:t>Authorization</a:t>
+            </a:r>
+            <a:endParaRPr lang="en-US" dirty="0"/>
+          </a:p>
+        </p:txBody>
+      </p:sp>
+      <p:sp>
+        <p:nvSpPr>
+          <p:cNvPr id="3" name="Content Placeholder 2"/>
+          <p:cNvSpPr>
+            <a:spLocks noGrp="1"/>
+          </p:cNvSpPr>
+          <p:nvPr>
+            <p:ph idx="1"/>
+          </p:nvPr>
+        </p:nvSpPr>
+        <p:spPr/>
+        <p:txBody>
+          <a:bodyPr/>
+          <a:lstStyle/>
+          <a:p>
+            <a:r>
+              <a:rPr lang="en-US" dirty="0" err="1" smtClean="0"/>
+              <a:t>IUserIdentity</a:t>
+            </a:r>
+            <a:r>
+              <a:rPr lang="en-US" dirty="0" smtClean="0"/>
+              <a:t> – </a:t>
+            </a:r>
+            <a:r>
+              <a:rPr lang="en-US" dirty="0" err="1" smtClean="0"/>
+              <a:t>this.Context.CurrentUser</a:t>
+            </a:r>
+            <a:endParaRPr lang="en-US" dirty="0" smtClean="0"/>
+          </a:p>
+          <a:p>
+            <a:r>
+              <a:rPr lang="en-US" dirty="0" smtClean="0"/>
+              <a:t>Extension Methods</a:t>
+            </a:r>
+          </a:p>
+          <a:p>
+            <a:pPr lvl="1"/>
+            <a:r>
+              <a:rPr lang="en-US" dirty="0" err="1" smtClean="0"/>
+              <a:t>RequiresAuthentication</a:t>
+            </a:r>
+            <a:endParaRPr lang="en-US" dirty="0" smtClean="0"/>
+          </a:p>
+          <a:p>
+            <a:pPr lvl="1"/>
+            <a:r>
+              <a:rPr lang="en-US" dirty="0" err="1" smtClean="0"/>
+              <a:t>RequiresClaims</a:t>
+            </a:r>
+            <a:endParaRPr lang="en-US" dirty="0" smtClean="0"/>
+          </a:p>
+          <a:p>
+            <a:pPr lvl="1"/>
+            <a:r>
+              <a:rPr lang="en-US" dirty="0" err="1" smtClean="0"/>
+              <a:t>RequiresAnyClaim</a:t>
+            </a:r>
+            <a:endParaRPr lang="en-US" dirty="0" smtClean="0"/>
+          </a:p>
+          <a:p>
+            <a:pPr lvl="1"/>
+            <a:r>
+              <a:rPr lang="en-US" dirty="0" err="1" smtClean="0"/>
+              <a:t>RequiresValidatedClaims</a:t>
+            </a:r>
+            <a:endParaRPr lang="en-US" dirty="0" smtClean="0"/>
+          </a:p>
+          <a:p>
+            <a:pPr lvl="1"/>
+            <a:r>
+              <a:rPr lang="en-US" dirty="0" err="1" smtClean="0"/>
+              <a:t>RequiresHttps</a:t>
+            </a:r>
+            <a:endParaRPr lang="en-US" dirty="0"/>
+          </a:p>
+        </p:txBody>
+      </p:sp>
+    </p:spTree>
+    <p:extLst>
+      <p:ext uri="{BB962C8B-B14F-4D97-AF65-F5344CB8AC3E}">
+        <p14:creationId xmlns:p14="http://schemas.microsoft.com/office/powerpoint/2010/main" val="3959230230"/>
+      </p:ext>
+    </p:extLst>
+  </p:cSld>
+  <p:clrMapOvr>
+    <a:masterClrMapping/>
+  </p:clrMapOvr>
+</p:sld>
+</file>
+
+<file path=ppt/slides/slide45.xml><?xml version="1.0" encoding="utf-8"?>
+<p:sld xmlns:a="http://schemas.openxmlformats.org/drawingml/2006/main" xmlns:r="http://schemas.openxmlformats.org/officeDocument/2006/relationships" xmlns:p="http://schemas.openxmlformats.org/presentationml/2006/main">
+  <p:cSld>
+    <p:spTree>
+      <p:nvGrpSpPr>
+        <p:cNvPr id="1" name=""/>
+        <p:cNvGrpSpPr/>
+        <p:nvPr/>
+      </p:nvGrpSpPr>
+      <p:grpSpPr>
+        <a:xfrm>
+          <a:off x="0" y="0"/>
+          <a:ext cx="0" cy="0"/>
+          <a:chOff x="0" y="0"/>
+          <a:chExt cx="0" cy="0"/>
+        </a:xfrm>
+      </p:grpSpPr>
+      <p:sp>
+        <p:nvSpPr>
+          <p:cNvPr id="2" name="Title 1"/>
+          <p:cNvSpPr>
+            <a:spLocks noGrp="1"/>
+          </p:cNvSpPr>
+          <p:nvPr>
+            <p:ph type="title"/>
+          </p:nvPr>
+        </p:nvSpPr>
+        <p:spPr/>
+        <p:txBody>
+          <a:bodyPr/>
+          <a:lstStyle/>
+          <a:p>
+            <a:r>
+              <a:rPr lang="en-US" dirty="0" smtClean="0"/>
+              <a:t>Authorization</a:t>
+            </a:r>
+            <a:endParaRPr lang="en-US" dirty="0"/>
+          </a:p>
+        </p:txBody>
+      </p:sp>
+      <p:pic>
+        <p:nvPicPr>
+          <p:cNvPr id="4" name="Content Placeholder 3"/>
+          <p:cNvPicPr>
+            <a:picLocks noGrp="1" noChangeAspect="1"/>
+          </p:cNvPicPr>
+          <p:nvPr>
+            <p:ph idx="1"/>
+          </p:nvPr>
+        </p:nvPicPr>
+        <p:blipFill>
+          <a:blip r:embed="rId2"/>
+          <a:stretch>
+            <a:fillRect/>
+          </a:stretch>
+        </p:blipFill>
+        <p:spPr>
+          <a:xfrm>
+            <a:off x="1440383" y="1690688"/>
+            <a:ext cx="4928766" cy="2974015"/>
+          </a:xfrm>
+          <a:prstGeom prst="rect">
+            <a:avLst/>
+          </a:prstGeom>
+        </p:spPr>
+      </p:pic>
+    </p:spTree>
+    <p:extLst>
+      <p:ext uri="{BB962C8B-B14F-4D97-AF65-F5344CB8AC3E}">
+        <p14:creationId xmlns:p14="http://schemas.microsoft.com/office/powerpoint/2010/main" val="1060015433"/>
+      </p:ext>
+    </p:extLst>
+  </p:cSld>
+  <p:clrMapOvr>
+    <a:masterClrMapping/>
+  </p:clrMapOvr>
+</p:sld>
+</file>
+
+<file path=ppt/slides/slide46.xml><?xml version="1.0" encoding="utf-8"?>
+<p:sld xmlns:a="http://schemas.openxmlformats.org/drawingml/2006/main" xmlns:r="http://schemas.openxmlformats.org/officeDocument/2006/relationships" xmlns:p="http://schemas.openxmlformats.org/presentationml/2006/main">
+  <p:cSld>
+    <p:spTree>
+      <p:nvGrpSpPr>
+        <p:cNvPr id="1" name=""/>
+        <p:cNvGrpSpPr/>
+        <p:nvPr/>
+      </p:nvGrpSpPr>
+      <p:grpSpPr>
+        <a:xfrm>
+          <a:off x="0" y="0"/>
+          <a:ext cx="0" cy="0"/>
+          <a:chOff x="0" y="0"/>
+          <a:chExt cx="0" cy="0"/>
+        </a:xfrm>
+      </p:grpSpPr>
+      <p:sp>
+        <p:nvSpPr>
+          <p:cNvPr id="2" name="Title 1"/>
+          <p:cNvSpPr>
+            <a:spLocks noGrp="1"/>
+          </p:cNvSpPr>
+          <p:nvPr>
+            <p:ph type="title"/>
+          </p:nvPr>
+        </p:nvSpPr>
+        <p:spPr/>
+        <p:txBody>
+          <a:bodyPr/>
+          <a:lstStyle/>
+          <a:p>
+            <a:r>
+              <a:rPr lang="en-US" dirty="0" smtClean="0"/>
+              <a:t>Pipelines</a:t>
+            </a:r>
+            <a:endParaRPr lang="en-US" dirty="0"/>
+          </a:p>
+        </p:txBody>
+      </p:sp>
+      <p:pic>
+        <p:nvPicPr>
+          <p:cNvPr id="4" name="Content Placeholder 3"/>
+          <p:cNvPicPr>
+            <a:picLocks noGrp="1" noChangeAspect="1"/>
+          </p:cNvPicPr>
+          <p:nvPr>
+            <p:ph idx="1"/>
+          </p:nvPr>
+        </p:nvPicPr>
+        <p:blipFill>
+          <a:blip r:embed="rId2"/>
+          <a:stretch>
+            <a:fillRect/>
+          </a:stretch>
+        </p:blipFill>
+        <p:spPr>
+          <a:xfrm>
+            <a:off x="1671805" y="1690688"/>
+            <a:ext cx="4089724" cy="904044"/>
+          </a:xfrm>
+          <a:prstGeom prst="rect">
+            <a:avLst/>
+          </a:prstGeom>
+        </p:spPr>
+      </p:pic>
+    </p:spTree>
+    <p:extLst>
+      <p:ext uri="{BB962C8B-B14F-4D97-AF65-F5344CB8AC3E}">
+        <p14:creationId xmlns:p14="http://schemas.microsoft.com/office/powerpoint/2010/main" val="2258782801"/>
+      </p:ext>
+    </p:extLst>
+  </p:cSld>
+  <p:clrMapOvr>
+    <a:masterClrMapping/>
+  </p:clrMapOvr>
+</p:sld>
+</file>
+
+<file path=ppt/slides/slide47.xml><?xml version="1.0" encoding="utf-8"?>
+<p:sld xmlns:a="http://schemas.openxmlformats.org/drawingml/2006/main" xmlns:r="http://schemas.openxmlformats.org/officeDocument/2006/relationships" xmlns:p="http://schemas.openxmlformats.org/presentationml/2006/main">
+  <p:cSld>
+    <p:spTree>
+      <p:nvGrpSpPr>
+        <p:cNvPr id="1" name=""/>
+        <p:cNvGrpSpPr/>
+        <p:nvPr/>
+      </p:nvGrpSpPr>
+      <p:grpSpPr>
+        <a:xfrm>
+          <a:off x="0" y="0"/>
+          <a:ext cx="0" cy="0"/>
+          <a:chOff x="0" y="0"/>
+          <a:chExt cx="0" cy="0"/>
+        </a:xfrm>
+      </p:grpSpPr>
+      <p:sp>
+        <p:nvSpPr>
+          <p:cNvPr id="2" name="Title 1"/>
+          <p:cNvSpPr>
+            <a:spLocks noGrp="1"/>
+          </p:cNvSpPr>
+          <p:nvPr>
+            <p:ph type="title"/>
+          </p:nvPr>
+        </p:nvSpPr>
+        <p:spPr/>
+        <p:txBody>
+          <a:bodyPr/>
+          <a:lstStyle/>
+          <a:p>
+            <a:r>
+              <a:rPr lang="en-US" dirty="0" smtClean="0"/>
+              <a:t>Pipelines</a:t>
+            </a:r>
+            <a:endParaRPr lang="en-US" dirty="0"/>
+          </a:p>
+        </p:txBody>
+      </p:sp>
+      <p:pic>
+        <p:nvPicPr>
+          <p:cNvPr id="4" name="Content Placeholder 3"/>
+          <p:cNvPicPr>
+            <a:picLocks noGrp="1" noChangeAspect="1"/>
+          </p:cNvPicPr>
+          <p:nvPr>
+            <p:ph idx="1"/>
+          </p:nvPr>
+        </p:nvPicPr>
+        <p:blipFill>
+          <a:blip r:embed="rId2"/>
+          <a:stretch>
+            <a:fillRect/>
+          </a:stretch>
+        </p:blipFill>
+        <p:spPr>
+          <a:xfrm>
+            <a:off x="1671805" y="1690688"/>
+            <a:ext cx="4089724" cy="904044"/>
+          </a:xfrm>
+          <a:prstGeom prst="rect">
+            <a:avLst/>
+          </a:prstGeom>
+        </p:spPr>
+      </p:pic>
+      <p:pic>
+        <p:nvPicPr>
+          <p:cNvPr id="5" name="Picture 4"/>
+          <p:cNvPicPr>
+            <a:picLocks noChangeAspect="1"/>
+          </p:cNvPicPr>
+          <p:nvPr/>
+        </p:nvPicPr>
+        <p:blipFill>
+          <a:blip r:embed="rId3"/>
+          <a:stretch>
+            <a:fillRect/>
+          </a:stretch>
+        </p:blipFill>
+        <p:spPr>
+          <a:xfrm>
+            <a:off x="1671805" y="2900489"/>
+            <a:ext cx="4089724" cy="915610"/>
+          </a:xfrm>
+          <a:prstGeom prst="rect">
+            <a:avLst/>
+          </a:prstGeom>
+        </p:spPr>
+      </p:pic>
+    </p:spTree>
+    <p:extLst>
+      <p:ext uri="{BB962C8B-B14F-4D97-AF65-F5344CB8AC3E}">
+        <p14:creationId xmlns:p14="http://schemas.microsoft.com/office/powerpoint/2010/main" val="4155766393"/>
+      </p:ext>
+    </p:extLst>
+  </p:cSld>
+  <p:clrMapOvr>
+    <a:masterClrMapping/>
+  </p:clrMapOvr>
+</p:sld>
+</file>
+
+<file path=ppt/slides/slide48.xml><?xml version="1.0" encoding="utf-8"?>
+<p:sld xmlns:a="http://schemas.openxmlformats.org/drawingml/2006/main" xmlns:r="http://schemas.openxmlformats.org/officeDocument/2006/relationships" xmlns:p="http://schemas.openxmlformats.org/presentationml/2006/main">
+  <p:cSld>
+    <p:spTree>
+      <p:nvGrpSpPr>
+        <p:cNvPr id="1" name=""/>
+        <p:cNvGrpSpPr/>
+        <p:nvPr/>
+      </p:nvGrpSpPr>
+      <p:grpSpPr>
+        <a:xfrm>
+          <a:off x="0" y="0"/>
+          <a:ext cx="0" cy="0"/>
+          <a:chOff x="0" y="0"/>
+          <a:chExt cx="0" cy="0"/>
+        </a:xfrm>
+      </p:grpSpPr>
+      <p:sp>
+        <p:nvSpPr>
+          <p:cNvPr id="2" name="Title 1"/>
+          <p:cNvSpPr>
+            <a:spLocks noGrp="1"/>
+          </p:cNvSpPr>
+          <p:nvPr>
+            <p:ph type="title"/>
+          </p:nvPr>
+        </p:nvSpPr>
+        <p:spPr/>
+        <p:txBody>
+          <a:bodyPr/>
+          <a:lstStyle/>
+          <a:p>
+            <a:r>
+              <a:rPr lang="en-US" dirty="0" smtClean="0"/>
+              <a:t>Pipelines</a:t>
+            </a:r>
+            <a:endParaRPr lang="en-US" dirty="0"/>
+          </a:p>
+        </p:txBody>
+      </p:sp>
+      <p:pic>
+        <p:nvPicPr>
+          <p:cNvPr id="4" name="Content Placeholder 3"/>
+          <p:cNvPicPr>
+            <a:picLocks noGrp="1" noChangeAspect="1"/>
+          </p:cNvPicPr>
+          <p:nvPr>
+            <p:ph idx="1"/>
+          </p:nvPr>
+        </p:nvPicPr>
+        <p:blipFill>
+          <a:blip r:embed="rId2"/>
+          <a:stretch>
+            <a:fillRect/>
+          </a:stretch>
+        </p:blipFill>
+        <p:spPr>
+          <a:xfrm>
+            <a:off x="1671805" y="1690688"/>
+            <a:ext cx="4089724" cy="904044"/>
+          </a:xfrm>
+          <a:prstGeom prst="rect">
+            <a:avLst/>
+          </a:prstGeom>
+        </p:spPr>
+      </p:pic>
+      <p:pic>
+        <p:nvPicPr>
+          <p:cNvPr id="5" name="Picture 4"/>
+          <p:cNvPicPr>
+            <a:picLocks noChangeAspect="1"/>
+          </p:cNvPicPr>
+          <p:nvPr/>
+        </p:nvPicPr>
+        <p:blipFill>
+          <a:blip r:embed="rId3"/>
+          <a:stretch>
+            <a:fillRect/>
+          </a:stretch>
+        </p:blipFill>
+        <p:spPr>
+          <a:xfrm>
+            <a:off x="1671805" y="2900489"/>
+            <a:ext cx="4089724" cy="915610"/>
+          </a:xfrm>
+          <a:prstGeom prst="rect">
+            <a:avLst/>
+          </a:prstGeom>
+        </p:spPr>
+      </p:pic>
+      <p:pic>
+        <p:nvPicPr>
+          <p:cNvPr id="6" name="Picture 5"/>
+          <p:cNvPicPr>
+            <a:picLocks noChangeAspect="1"/>
+          </p:cNvPicPr>
+          <p:nvPr/>
+        </p:nvPicPr>
+        <p:blipFill>
+          <a:blip r:embed="rId4"/>
+          <a:stretch>
+            <a:fillRect/>
+          </a:stretch>
+        </p:blipFill>
+        <p:spPr>
+          <a:xfrm>
+            <a:off x="1671805" y="4121856"/>
+            <a:ext cx="4089724" cy="986626"/>
+          </a:xfrm>
+          <a:prstGeom prst="rect">
+            <a:avLst/>
+          </a:prstGeom>
+        </p:spPr>
+      </p:pic>
+    </p:spTree>
+    <p:extLst>
+      <p:ext uri="{BB962C8B-B14F-4D97-AF65-F5344CB8AC3E}">
+        <p14:creationId xmlns:p14="http://schemas.microsoft.com/office/powerpoint/2010/main" val="2021938330"/>
+      </p:ext>
+    </p:extLst>
+  </p:cSld>
+  <p:clrMapOvr>
+    <a:masterClrMapping/>
+  </p:clrMapOvr>
+</p:sld>
+</file>
+
+<file path=ppt/slides/slide49.xml><?xml version="1.0" encoding="utf-8"?>
+<p:sld xmlns:a="http://schemas.openxmlformats.org/drawingml/2006/main" xmlns:r="http://schemas.openxmlformats.org/officeDocument/2006/relationships" xmlns:p="http://schemas.openxmlformats.org/presentationml/2006/main">
+  <p:cSld>
+    <p:spTree>
+      <p:nvGrpSpPr>
+        <p:cNvPr id="1" name=""/>
+        <p:cNvGrpSpPr/>
+        <p:nvPr/>
+      </p:nvGrpSpPr>
+      <p:grpSpPr>
+        <a:xfrm>
+          <a:off x="0" y="0"/>
+          <a:ext cx="0" cy="0"/>
+          <a:chOff x="0" y="0"/>
+          <a:chExt cx="0" cy="0"/>
+        </a:xfrm>
+      </p:grpSpPr>
+      <p:sp>
+        <p:nvSpPr>
+          <p:cNvPr id="2" name="Title 1"/>
+          <p:cNvSpPr>
+            <a:spLocks noGrp="1"/>
+          </p:cNvSpPr>
+          <p:nvPr>
+            <p:ph type="title"/>
+          </p:nvPr>
+        </p:nvSpPr>
+        <p:spPr/>
+        <p:txBody>
+          <a:bodyPr/>
+          <a:lstStyle/>
+          <a:p>
+            <a:r>
+              <a:rPr lang="en-US" dirty="0" smtClean="0"/>
+              <a:t>Hosting</a:t>
+            </a:r>
+            <a:endParaRPr lang="en-US" dirty="0"/>
+          </a:p>
+        </p:txBody>
+      </p:sp>
+      <p:sp>
+        <p:nvSpPr>
+          <p:cNvPr id="3" name="Content Placeholder 2"/>
+          <p:cNvSpPr>
+            <a:spLocks noGrp="1"/>
+          </p:cNvSpPr>
+          <p:nvPr>
+            <p:ph idx="1"/>
+          </p:nvPr>
+        </p:nvSpPr>
+        <p:spPr/>
+        <p:txBody>
+          <a:bodyPr/>
+          <a:lstStyle/>
+          <a:p>
+            <a:r>
+              <a:rPr lang="en-US" dirty="0" smtClean="0"/>
+              <a:t>ASP.NET (IIS)</a:t>
+            </a:r>
+            <a:endParaRPr lang="en-US" dirty="0"/>
+          </a:p>
+        </p:txBody>
+      </p:sp>
+    </p:spTree>
+    <p:extLst>
+      <p:ext uri="{BB962C8B-B14F-4D97-AF65-F5344CB8AC3E}">
+        <p14:creationId xmlns:p14="http://schemas.microsoft.com/office/powerpoint/2010/main" val="777737070"/>
+      </p:ext>
+    </p:extLst>
+  </p:cSld>
+  <p:clrMapOvr>
+    <a:masterClrMapping/>
+  </p:clrMapOvr>
+</p:sld>
+</file>
+
 <file path=ppt/slides/slide5.xml><?xml version="1.0" encoding="utf-8"?>
 <p:sld xmlns:a="http://schemas.openxmlformats.org/drawingml/2006/main" xmlns:r="http://schemas.openxmlformats.org/officeDocument/2006/relationships" xmlns:p="http://schemas.openxmlformats.org/presentationml/2006/main">
   <p:cSld>
@@ -6896,6 +8082,270 @@
     <p:extLst>
       <p:ext uri="{BB962C8B-B14F-4D97-AF65-F5344CB8AC3E}">
         <p14:creationId xmlns:p14="http://schemas.microsoft.com/office/powerpoint/2010/main" val="670939178"/>
+      </p:ext>
+    </p:extLst>
+  </p:cSld>
+  <p:clrMapOvr>
+    <a:masterClrMapping/>
+  </p:clrMapOvr>
+</p:sld>
+</file>
+
+<file path=ppt/slides/slide50.xml><?xml version="1.0" encoding="utf-8"?>
+<p:sld xmlns:a="http://schemas.openxmlformats.org/drawingml/2006/main" xmlns:r="http://schemas.openxmlformats.org/officeDocument/2006/relationships" xmlns:p="http://schemas.openxmlformats.org/presentationml/2006/main">
+  <p:cSld>
+    <p:spTree>
+      <p:nvGrpSpPr>
+        <p:cNvPr id="1" name=""/>
+        <p:cNvGrpSpPr/>
+        <p:nvPr/>
+      </p:nvGrpSpPr>
+      <p:grpSpPr>
+        <a:xfrm>
+          <a:off x="0" y="0"/>
+          <a:ext cx="0" cy="0"/>
+          <a:chOff x="0" y="0"/>
+          <a:chExt cx="0" cy="0"/>
+        </a:xfrm>
+      </p:grpSpPr>
+      <p:sp>
+        <p:nvSpPr>
+          <p:cNvPr id="2" name="Title 1"/>
+          <p:cNvSpPr>
+            <a:spLocks noGrp="1"/>
+          </p:cNvSpPr>
+          <p:nvPr>
+            <p:ph type="title"/>
+          </p:nvPr>
+        </p:nvSpPr>
+        <p:spPr/>
+        <p:txBody>
+          <a:bodyPr/>
+          <a:lstStyle/>
+          <a:p>
+            <a:r>
+              <a:rPr lang="en-US" dirty="0" smtClean="0"/>
+              <a:t>Hosting</a:t>
+            </a:r>
+            <a:endParaRPr lang="en-US" dirty="0"/>
+          </a:p>
+        </p:txBody>
+      </p:sp>
+      <p:sp>
+        <p:nvSpPr>
+          <p:cNvPr id="3" name="Content Placeholder 2"/>
+          <p:cNvSpPr>
+            <a:spLocks noGrp="1"/>
+          </p:cNvSpPr>
+          <p:nvPr>
+            <p:ph idx="1"/>
+          </p:nvPr>
+        </p:nvSpPr>
+        <p:spPr/>
+        <p:txBody>
+          <a:bodyPr/>
+          <a:lstStyle/>
+          <a:p>
+            <a:r>
+              <a:rPr lang="en-US" dirty="0" smtClean="0"/>
+              <a:t>ASP.NET (IIS)</a:t>
+            </a:r>
+          </a:p>
+          <a:p>
+            <a:r>
+              <a:rPr lang="en-US" dirty="0" smtClean="0"/>
+              <a:t>Azure</a:t>
+            </a:r>
+            <a:endParaRPr lang="en-US" dirty="0"/>
+          </a:p>
+        </p:txBody>
+      </p:sp>
+    </p:spTree>
+    <p:extLst>
+      <p:ext uri="{BB962C8B-B14F-4D97-AF65-F5344CB8AC3E}">
+        <p14:creationId xmlns:p14="http://schemas.microsoft.com/office/powerpoint/2010/main" val="3775714521"/>
+      </p:ext>
+    </p:extLst>
+  </p:cSld>
+  <p:clrMapOvr>
+    <a:masterClrMapping/>
+  </p:clrMapOvr>
+</p:sld>
+</file>
+
+<file path=ppt/slides/slide51.xml><?xml version="1.0" encoding="utf-8"?>
+<p:sld xmlns:a="http://schemas.openxmlformats.org/drawingml/2006/main" xmlns:r="http://schemas.openxmlformats.org/officeDocument/2006/relationships" xmlns:p="http://schemas.openxmlformats.org/presentationml/2006/main">
+  <p:cSld>
+    <p:spTree>
+      <p:nvGrpSpPr>
+        <p:cNvPr id="1" name=""/>
+        <p:cNvGrpSpPr/>
+        <p:nvPr/>
+      </p:nvGrpSpPr>
+      <p:grpSpPr>
+        <a:xfrm>
+          <a:off x="0" y="0"/>
+          <a:ext cx="0" cy="0"/>
+          <a:chOff x="0" y="0"/>
+          <a:chExt cx="0" cy="0"/>
+        </a:xfrm>
+      </p:grpSpPr>
+      <p:sp>
+        <p:nvSpPr>
+          <p:cNvPr id="2" name="Title 1"/>
+          <p:cNvSpPr>
+            <a:spLocks noGrp="1"/>
+          </p:cNvSpPr>
+          <p:nvPr>
+            <p:ph type="title"/>
+          </p:nvPr>
+        </p:nvSpPr>
+        <p:spPr/>
+        <p:txBody>
+          <a:bodyPr/>
+          <a:lstStyle/>
+          <a:p>
+            <a:r>
+              <a:rPr lang="en-US" dirty="0" smtClean="0"/>
+              <a:t>Hosting</a:t>
+            </a:r>
+            <a:endParaRPr lang="en-US" dirty="0"/>
+          </a:p>
+        </p:txBody>
+      </p:sp>
+      <p:sp>
+        <p:nvSpPr>
+          <p:cNvPr id="3" name="Content Placeholder 2"/>
+          <p:cNvSpPr>
+            <a:spLocks noGrp="1"/>
+          </p:cNvSpPr>
+          <p:nvPr>
+            <p:ph idx="1"/>
+          </p:nvPr>
+        </p:nvSpPr>
+        <p:spPr/>
+        <p:txBody>
+          <a:bodyPr/>
+          <a:lstStyle/>
+          <a:p>
+            <a:r>
+              <a:rPr lang="en-US" dirty="0" smtClean="0"/>
+              <a:t>ASP.NET (IIS)</a:t>
+            </a:r>
+          </a:p>
+          <a:p>
+            <a:r>
+              <a:rPr lang="en-US" dirty="0" smtClean="0"/>
+              <a:t>Azure</a:t>
+            </a:r>
+          </a:p>
+          <a:p>
+            <a:r>
+              <a:rPr lang="en-US" dirty="0" smtClean="0"/>
+              <a:t>OWIN</a:t>
+            </a:r>
+            <a:endParaRPr lang="en-US" dirty="0"/>
+          </a:p>
+        </p:txBody>
+      </p:sp>
+    </p:spTree>
+    <p:extLst>
+      <p:ext uri="{BB962C8B-B14F-4D97-AF65-F5344CB8AC3E}">
+        <p14:creationId xmlns:p14="http://schemas.microsoft.com/office/powerpoint/2010/main" val="3433169387"/>
+      </p:ext>
+    </p:extLst>
+  </p:cSld>
+  <p:clrMapOvr>
+    <a:masterClrMapping/>
+  </p:clrMapOvr>
+</p:sld>
+</file>
+
+<file path=ppt/slides/slide52.xml><?xml version="1.0" encoding="utf-8"?>
+<p:sld xmlns:a="http://schemas.openxmlformats.org/drawingml/2006/main" xmlns:r="http://schemas.openxmlformats.org/officeDocument/2006/relationships" xmlns:p="http://schemas.openxmlformats.org/presentationml/2006/main">
+  <p:cSld>
+    <p:spTree>
+      <p:nvGrpSpPr>
+        <p:cNvPr id="1" name=""/>
+        <p:cNvGrpSpPr/>
+        <p:nvPr/>
+      </p:nvGrpSpPr>
+      <p:grpSpPr>
+        <a:xfrm>
+          <a:off x="0" y="0"/>
+          <a:ext cx="0" cy="0"/>
+          <a:chOff x="0" y="0"/>
+          <a:chExt cx="0" cy="0"/>
+        </a:xfrm>
+      </p:grpSpPr>
+      <p:sp>
+        <p:nvSpPr>
+          <p:cNvPr id="2" name="Title 1"/>
+          <p:cNvSpPr>
+            <a:spLocks noGrp="1"/>
+          </p:cNvSpPr>
+          <p:nvPr>
+            <p:ph type="title"/>
+          </p:nvPr>
+        </p:nvSpPr>
+        <p:spPr/>
+        <p:txBody>
+          <a:bodyPr/>
+          <a:lstStyle/>
+          <a:p>
+            <a:r>
+              <a:rPr lang="en-US" dirty="0" smtClean="0"/>
+              <a:t>Hosting</a:t>
+            </a:r>
+            <a:endParaRPr lang="en-US" dirty="0"/>
+          </a:p>
+        </p:txBody>
+      </p:sp>
+      <p:sp>
+        <p:nvSpPr>
+          <p:cNvPr id="3" name="Content Placeholder 2"/>
+          <p:cNvSpPr>
+            <a:spLocks noGrp="1"/>
+          </p:cNvSpPr>
+          <p:nvPr>
+            <p:ph idx="1"/>
+          </p:nvPr>
+        </p:nvSpPr>
+        <p:spPr/>
+        <p:txBody>
+          <a:bodyPr/>
+          <a:lstStyle/>
+          <a:p>
+            <a:r>
+              <a:rPr lang="en-US" dirty="0" smtClean="0"/>
+              <a:t>ASP.NET (IIS)</a:t>
+            </a:r>
+          </a:p>
+          <a:p>
+            <a:r>
+              <a:rPr lang="en-US" dirty="0" smtClean="0"/>
+              <a:t>Azure</a:t>
+            </a:r>
+          </a:p>
+          <a:p>
+            <a:r>
+              <a:rPr lang="en-US" dirty="0" smtClean="0"/>
+              <a:t>OWIN</a:t>
+            </a:r>
+          </a:p>
+          <a:p>
+            <a:r>
+              <a:rPr lang="en-US" smtClean="0"/>
+              <a:t>Self Hosting</a:t>
+            </a:r>
+            <a:endParaRPr lang="en-US" dirty="0"/>
+          </a:p>
+        </p:txBody>
+      </p:sp>
+    </p:spTree>
+    <p:extLst>
+      <p:ext uri="{BB962C8B-B14F-4D97-AF65-F5344CB8AC3E}">
+        <p14:creationId xmlns:p14="http://schemas.microsoft.com/office/powerpoint/2010/main" val="3080790857"/>
       </p:ext>
     </p:extLst>
   </p:cSld>
